--- a/shizitang/phd.pptx
+++ b/shizitang/phd.pptx
@@ -5,7 +5,7 @@
     <p:sldMasterId id="2147483840" r:id="rId1"/>
   </p:sldMasterIdLst>
   <p:notesMasterIdLst>
-    <p:notesMasterId r:id="rId13"/>
+    <p:notesMasterId r:id="rId12"/>
   </p:notesMasterIdLst>
   <p:sldIdLst>
     <p:sldId id="256" r:id="rId2"/>
@@ -15,10 +15,9 @@
     <p:sldId id="261" r:id="rId6"/>
     <p:sldId id="263" r:id="rId7"/>
     <p:sldId id="262" r:id="rId8"/>
-    <p:sldId id="265" r:id="rId9"/>
+    <p:sldId id="269" r:id="rId9"/>
     <p:sldId id="266" r:id="rId10"/>
     <p:sldId id="267" r:id="rId11"/>
-    <p:sldId id="268" r:id="rId12"/>
   </p:sldIdLst>
   <p:sldSz cx="12192000" cy="6858000"/>
   <p:notesSz cx="6858000" cy="9144000"/>
@@ -4310,755 +4309,6 @@
 </file>
 
 <file path=ppt/diagrams/colors6.xml><?xml version="1.0" encoding="utf-8"?>
-<dgm:colorsDef xmlns:dgm="http://schemas.openxmlformats.org/drawingml/2006/diagram" xmlns:a="http://schemas.openxmlformats.org/drawingml/2006/main" uniqueId="urn:microsoft.com/office/officeart/2018/5/colors/Iconchunking_neutralbg_accent1_2">
-  <dgm:title val=""/>
-  <dgm:desc val=""/>
-  <dgm:catLst>
-    <dgm:cat type="accent1" pri="11200"/>
-  </dgm:catLst>
-  <dgm:styleLbl name="node0">
-    <dgm:fillClrLst meth="repeat">
-      <a:schemeClr val="accent1"/>
-    </dgm:fillClrLst>
-    <dgm:linClrLst meth="repeat">
-      <a:schemeClr val="lt1"/>
-    </dgm:linClrLst>
-    <dgm:effectClrLst/>
-    <dgm:txLinClrLst/>
-    <dgm:txFillClrLst/>
-    <dgm:txEffectClrLst/>
-  </dgm:styleLbl>
-  <dgm:styleLbl name="alignNode1">
-    <dgm:fillClrLst meth="repeat">
-      <a:schemeClr val="accent1"/>
-    </dgm:fillClrLst>
-    <dgm:linClrLst meth="repeat">
-      <a:schemeClr val="accent1"/>
-    </dgm:linClrLst>
-    <dgm:effectClrLst/>
-    <dgm:txLinClrLst/>
-    <dgm:txFillClrLst/>
-    <dgm:txEffectClrLst/>
-  </dgm:styleLbl>
-  <dgm:styleLbl name="node1">
-    <dgm:fillClrLst meth="repeat">
-      <a:schemeClr val="accent1"/>
-    </dgm:fillClrLst>
-    <dgm:linClrLst meth="repeat">
-      <a:schemeClr val="lt1">
-        <a:alpha val="0"/>
-      </a:schemeClr>
-    </dgm:linClrLst>
-    <dgm:effectClrLst/>
-    <dgm:txLinClrLst/>
-    <dgm:txFillClrLst/>
-    <dgm:txEffectClrLst/>
-  </dgm:styleLbl>
-  <dgm:styleLbl name="lnNode1">
-    <dgm:fillClrLst meth="repeat">
-      <a:schemeClr val="accent1"/>
-    </dgm:fillClrLst>
-    <dgm:linClrLst meth="repeat">
-      <a:schemeClr val="lt1"/>
-    </dgm:linClrLst>
-    <dgm:effectClrLst/>
-    <dgm:txLinClrLst/>
-    <dgm:txFillClrLst/>
-    <dgm:txEffectClrLst/>
-  </dgm:styleLbl>
-  <dgm:styleLbl name="vennNode1">
-    <dgm:fillClrLst meth="repeat">
-      <a:schemeClr val="accent1">
-        <a:alpha val="50000"/>
-      </a:schemeClr>
-    </dgm:fillClrLst>
-    <dgm:linClrLst meth="repeat">
-      <a:schemeClr val="lt1"/>
-    </dgm:linClrLst>
-    <dgm:effectClrLst/>
-    <dgm:txLinClrLst/>
-    <dgm:txFillClrLst/>
-    <dgm:txEffectClrLst/>
-  </dgm:styleLbl>
-  <dgm:styleLbl name="node2">
-    <dgm:fillClrLst meth="repeat">
-      <a:schemeClr val="accent1"/>
-    </dgm:fillClrLst>
-    <dgm:linClrLst meth="repeat">
-      <a:schemeClr val="lt1"/>
-    </dgm:linClrLst>
-    <dgm:effectClrLst/>
-    <dgm:txLinClrLst/>
-    <dgm:txFillClrLst/>
-    <dgm:txEffectClrLst/>
-  </dgm:styleLbl>
-  <dgm:styleLbl name="node3">
-    <dgm:fillClrLst meth="repeat">
-      <a:schemeClr val="accent1"/>
-    </dgm:fillClrLst>
-    <dgm:linClrLst meth="repeat">
-      <a:schemeClr val="lt1"/>
-    </dgm:linClrLst>
-    <dgm:effectClrLst/>
-    <dgm:txLinClrLst/>
-    <dgm:txFillClrLst/>
-    <dgm:txEffectClrLst/>
-  </dgm:styleLbl>
-  <dgm:styleLbl name="node4">
-    <dgm:fillClrLst meth="repeat">
-      <a:schemeClr val="accent1"/>
-    </dgm:fillClrLst>
-    <dgm:linClrLst meth="repeat">
-      <a:schemeClr val="lt1"/>
-    </dgm:linClrLst>
-    <dgm:effectClrLst/>
-    <dgm:txLinClrLst/>
-    <dgm:txFillClrLst/>
-    <dgm:txEffectClrLst/>
-  </dgm:styleLbl>
-  <dgm:styleLbl name="fgImgPlace1">
-    <dgm:fillClrLst meth="repeat">
-      <a:schemeClr val="accent1">
-        <a:tint val="50000"/>
-      </a:schemeClr>
-    </dgm:fillClrLst>
-    <dgm:linClrLst meth="repeat">
-      <a:schemeClr val="lt1"/>
-    </dgm:linClrLst>
-    <dgm:effectClrLst/>
-    <dgm:txLinClrLst/>
-    <dgm:txFillClrLst meth="repeat">
-      <a:schemeClr val="lt1"/>
-    </dgm:txFillClrLst>
-    <dgm:txEffectClrLst/>
-  </dgm:styleLbl>
-  <dgm:styleLbl name="alignImgPlace1">
-    <dgm:fillClrLst meth="repeat">
-      <a:schemeClr val="accent1">
-        <a:tint val="50000"/>
-      </a:schemeClr>
-    </dgm:fillClrLst>
-    <dgm:linClrLst meth="repeat">
-      <a:schemeClr val="lt1"/>
-    </dgm:linClrLst>
-    <dgm:effectClrLst/>
-    <dgm:txLinClrLst/>
-    <dgm:txFillClrLst meth="repeat">
-      <a:schemeClr val="lt1"/>
-    </dgm:txFillClrLst>
-    <dgm:txEffectClrLst/>
-  </dgm:styleLbl>
-  <dgm:styleLbl name="bgImgPlace1">
-    <dgm:fillClrLst meth="repeat">
-      <a:schemeClr val="accent1">
-        <a:tint val="50000"/>
-      </a:schemeClr>
-    </dgm:fillClrLst>
-    <dgm:linClrLst meth="repeat">
-      <a:schemeClr val="lt1"/>
-    </dgm:linClrLst>
-    <dgm:effectClrLst/>
-    <dgm:txLinClrLst/>
-    <dgm:txFillClrLst meth="repeat">
-      <a:schemeClr val="lt1"/>
-    </dgm:txFillClrLst>
-    <dgm:txEffectClrLst/>
-  </dgm:styleLbl>
-  <dgm:styleLbl name="sibTrans2D1">
-    <dgm:fillClrLst meth="repeat">
-      <a:schemeClr val="accent1">
-        <a:tint val="60000"/>
-      </a:schemeClr>
-    </dgm:fillClrLst>
-    <dgm:linClrLst meth="repeat">
-      <a:schemeClr val="accent1">
-        <a:tint val="60000"/>
-      </a:schemeClr>
-    </dgm:linClrLst>
-    <dgm:effectClrLst/>
-    <dgm:txLinClrLst/>
-    <dgm:txFillClrLst/>
-    <dgm:txEffectClrLst/>
-  </dgm:styleLbl>
-  <dgm:styleLbl name="fgSibTrans2D1">
-    <dgm:fillClrLst meth="repeat">
-      <a:schemeClr val="accent1">
-        <a:tint val="60000"/>
-      </a:schemeClr>
-    </dgm:fillClrLst>
-    <dgm:linClrLst meth="repeat">
-      <a:schemeClr val="accent1">
-        <a:tint val="60000"/>
-      </a:schemeClr>
-    </dgm:linClrLst>
-    <dgm:effectClrLst/>
-    <dgm:txLinClrLst/>
-    <dgm:txFillClrLst/>
-    <dgm:txEffectClrLst/>
-  </dgm:styleLbl>
-  <dgm:styleLbl name="bgSibTrans2D1">
-    <dgm:fillClrLst meth="repeat">
-      <a:schemeClr val="accent1">
-        <a:tint val="60000"/>
-      </a:schemeClr>
-    </dgm:fillClrLst>
-    <dgm:linClrLst meth="repeat">
-      <a:schemeClr val="accent1">
-        <a:tint val="60000"/>
-      </a:schemeClr>
-    </dgm:linClrLst>
-    <dgm:effectClrLst/>
-    <dgm:txLinClrLst/>
-    <dgm:txFillClrLst/>
-    <dgm:txEffectClrLst/>
-  </dgm:styleLbl>
-  <dgm:styleLbl name="sibTrans1D1">
-    <dgm:fillClrLst meth="repeat">
-      <a:schemeClr val="accent1"/>
-    </dgm:fillClrLst>
-    <dgm:linClrLst meth="repeat">
-      <a:schemeClr val="accent1"/>
-    </dgm:linClrLst>
-    <dgm:effectClrLst/>
-    <dgm:txLinClrLst/>
-    <dgm:txFillClrLst meth="repeat">
-      <a:schemeClr val="tx1"/>
-    </dgm:txFillClrLst>
-    <dgm:txEffectClrLst/>
-  </dgm:styleLbl>
-  <dgm:styleLbl name="callout">
-    <dgm:fillClrLst meth="repeat">
-      <a:schemeClr val="accent1"/>
-    </dgm:fillClrLst>
-    <dgm:linClrLst meth="repeat">
-      <a:schemeClr val="accent1">
-        <a:tint val="50000"/>
-      </a:schemeClr>
-    </dgm:linClrLst>
-    <dgm:effectClrLst/>
-    <dgm:txLinClrLst/>
-    <dgm:txFillClrLst meth="repeat">
-      <a:schemeClr val="tx1"/>
-    </dgm:txFillClrLst>
-    <dgm:txEffectClrLst/>
-  </dgm:styleLbl>
-  <dgm:styleLbl name="asst0">
-    <dgm:fillClrLst meth="repeat">
-      <a:schemeClr val="accent1"/>
-    </dgm:fillClrLst>
-    <dgm:linClrLst meth="repeat">
-      <a:schemeClr val="lt1"/>
-    </dgm:linClrLst>
-    <dgm:effectClrLst/>
-    <dgm:txLinClrLst/>
-    <dgm:txFillClrLst/>
-    <dgm:txEffectClrLst/>
-  </dgm:styleLbl>
-  <dgm:styleLbl name="asst1">
-    <dgm:fillClrLst meth="repeat">
-      <a:schemeClr val="accent1"/>
-    </dgm:fillClrLst>
-    <dgm:linClrLst meth="repeat">
-      <a:schemeClr val="lt1"/>
-    </dgm:linClrLst>
-    <dgm:effectClrLst/>
-    <dgm:txLinClrLst/>
-    <dgm:txFillClrLst/>
-    <dgm:txEffectClrLst/>
-  </dgm:styleLbl>
-  <dgm:styleLbl name="asst2">
-    <dgm:fillClrLst meth="repeat">
-      <a:schemeClr val="accent1"/>
-    </dgm:fillClrLst>
-    <dgm:linClrLst meth="repeat">
-      <a:schemeClr val="lt1"/>
-    </dgm:linClrLst>
-    <dgm:effectClrLst/>
-    <dgm:txLinClrLst/>
-    <dgm:txFillClrLst/>
-    <dgm:txEffectClrLst/>
-  </dgm:styleLbl>
-  <dgm:styleLbl name="asst3">
-    <dgm:fillClrLst meth="repeat">
-      <a:schemeClr val="accent1"/>
-    </dgm:fillClrLst>
-    <dgm:linClrLst meth="repeat">
-      <a:schemeClr val="lt1"/>
-    </dgm:linClrLst>
-    <dgm:effectClrLst/>
-    <dgm:txLinClrLst/>
-    <dgm:txFillClrLst/>
-    <dgm:txEffectClrLst/>
-  </dgm:styleLbl>
-  <dgm:styleLbl name="asst4">
-    <dgm:fillClrLst meth="repeat">
-      <a:schemeClr val="accent1"/>
-    </dgm:fillClrLst>
-    <dgm:linClrLst meth="repeat">
-      <a:schemeClr val="lt1"/>
-    </dgm:linClrLst>
-    <dgm:effectClrLst/>
-    <dgm:txLinClrLst/>
-    <dgm:txFillClrLst/>
-    <dgm:txEffectClrLst/>
-  </dgm:styleLbl>
-  <dgm:styleLbl name="parChTrans2D1">
-    <dgm:fillClrLst meth="repeat">
-      <a:schemeClr val="accent1">
-        <a:tint val="60000"/>
-      </a:schemeClr>
-    </dgm:fillClrLst>
-    <dgm:linClrLst meth="repeat">
-      <a:schemeClr val="accent1">
-        <a:tint val="60000"/>
-      </a:schemeClr>
-    </dgm:linClrLst>
-    <dgm:effectClrLst/>
-    <dgm:txLinClrLst/>
-    <dgm:txFillClrLst meth="repeat">
-      <a:schemeClr val="lt1"/>
-    </dgm:txFillClrLst>
-    <dgm:txEffectClrLst/>
-  </dgm:styleLbl>
-  <dgm:styleLbl name="parChTrans2D2">
-    <dgm:fillClrLst meth="repeat">
-      <a:schemeClr val="accent1"/>
-    </dgm:fillClrLst>
-    <dgm:linClrLst meth="repeat">
-      <a:schemeClr val="accent1"/>
-    </dgm:linClrLst>
-    <dgm:effectClrLst/>
-    <dgm:txLinClrLst/>
-    <dgm:txFillClrLst meth="repeat">
-      <a:schemeClr val="lt1"/>
-    </dgm:txFillClrLst>
-    <dgm:txEffectClrLst/>
-  </dgm:styleLbl>
-  <dgm:styleLbl name="parChTrans2D3">
-    <dgm:fillClrLst meth="repeat">
-      <a:schemeClr val="accent1"/>
-    </dgm:fillClrLst>
-    <dgm:linClrLst meth="repeat">
-      <a:schemeClr val="accent1"/>
-    </dgm:linClrLst>
-    <dgm:effectClrLst/>
-    <dgm:txLinClrLst/>
-    <dgm:txFillClrLst meth="repeat">
-      <a:schemeClr val="lt1"/>
-    </dgm:txFillClrLst>
-    <dgm:txEffectClrLst/>
-  </dgm:styleLbl>
-  <dgm:styleLbl name="parChTrans2D4">
-    <dgm:fillClrLst meth="repeat">
-      <a:schemeClr val="accent1"/>
-    </dgm:fillClrLst>
-    <dgm:linClrLst meth="repeat">
-      <a:schemeClr val="accent1"/>
-    </dgm:linClrLst>
-    <dgm:effectClrLst/>
-    <dgm:txLinClrLst/>
-    <dgm:txFillClrLst meth="repeat">
-      <a:schemeClr val="lt1"/>
-    </dgm:txFillClrLst>
-    <dgm:txEffectClrLst/>
-  </dgm:styleLbl>
-  <dgm:styleLbl name="parChTrans1D1">
-    <dgm:fillClrLst meth="repeat">
-      <a:schemeClr val="accent1"/>
-    </dgm:fillClrLst>
-    <dgm:linClrLst meth="repeat">
-      <a:schemeClr val="accent1">
-        <a:shade val="60000"/>
-      </a:schemeClr>
-    </dgm:linClrLst>
-    <dgm:effectClrLst/>
-    <dgm:txLinClrLst/>
-    <dgm:txFillClrLst meth="repeat">
-      <a:schemeClr val="tx1"/>
-    </dgm:txFillClrLst>
-    <dgm:txEffectClrLst/>
-  </dgm:styleLbl>
-  <dgm:styleLbl name="parChTrans1D2">
-    <dgm:fillClrLst meth="repeat">
-      <a:schemeClr val="accent1"/>
-    </dgm:fillClrLst>
-    <dgm:linClrLst meth="repeat">
-      <a:schemeClr val="accent1">
-        <a:shade val="60000"/>
-      </a:schemeClr>
-    </dgm:linClrLst>
-    <dgm:effectClrLst/>
-    <dgm:txLinClrLst/>
-    <dgm:txFillClrLst meth="repeat">
-      <a:schemeClr val="tx1"/>
-    </dgm:txFillClrLst>
-    <dgm:txEffectClrLst/>
-  </dgm:styleLbl>
-  <dgm:styleLbl name="parChTrans1D3">
-    <dgm:fillClrLst meth="repeat">
-      <a:schemeClr val="accent1"/>
-    </dgm:fillClrLst>
-    <dgm:linClrLst meth="repeat">
-      <a:schemeClr val="accent1">
-        <a:shade val="80000"/>
-      </a:schemeClr>
-    </dgm:linClrLst>
-    <dgm:effectClrLst/>
-    <dgm:txLinClrLst/>
-    <dgm:txFillClrLst meth="repeat">
-      <a:schemeClr val="tx1"/>
-    </dgm:txFillClrLst>
-    <dgm:txEffectClrLst/>
-  </dgm:styleLbl>
-  <dgm:styleLbl name="parChTrans1D4">
-    <dgm:fillClrLst meth="repeat">
-      <a:schemeClr val="accent1"/>
-    </dgm:fillClrLst>
-    <dgm:linClrLst meth="repeat">
-      <a:schemeClr val="accent1">
-        <a:shade val="80000"/>
-      </a:schemeClr>
-    </dgm:linClrLst>
-    <dgm:effectClrLst/>
-    <dgm:txLinClrLst/>
-    <dgm:txFillClrLst meth="repeat">
-      <a:schemeClr val="tx1"/>
-    </dgm:txFillClrLst>
-    <dgm:txEffectClrLst/>
-  </dgm:styleLbl>
-  <dgm:styleLbl name="fgAcc1">
-    <dgm:fillClrLst meth="repeat">
-      <a:schemeClr val="lt1">
-        <a:alpha val="90000"/>
-      </a:schemeClr>
-    </dgm:fillClrLst>
-    <dgm:linClrLst meth="repeat">
-      <a:schemeClr val="accent1"/>
-    </dgm:linClrLst>
-    <dgm:effectClrLst/>
-    <dgm:txLinClrLst/>
-    <dgm:txFillClrLst meth="repeat">
-      <a:schemeClr val="dk1"/>
-    </dgm:txFillClrLst>
-    <dgm:txEffectClrLst/>
-  </dgm:styleLbl>
-  <dgm:styleLbl name="conFgAcc1">
-    <dgm:fillClrLst meth="repeat">
-      <a:schemeClr val="lt1">
-        <a:alpha val="90000"/>
-      </a:schemeClr>
-    </dgm:fillClrLst>
-    <dgm:linClrLst meth="repeat">
-      <a:schemeClr val="accent1"/>
-    </dgm:linClrLst>
-    <dgm:effectClrLst/>
-    <dgm:txLinClrLst/>
-    <dgm:txFillClrLst meth="repeat">
-      <a:schemeClr val="dk1"/>
-    </dgm:txFillClrLst>
-    <dgm:txEffectClrLst/>
-  </dgm:styleLbl>
-  <dgm:styleLbl name="alignAcc1">
-    <dgm:fillClrLst meth="repeat">
-      <a:schemeClr val="lt1">
-        <a:alpha val="90000"/>
-      </a:schemeClr>
-    </dgm:fillClrLst>
-    <dgm:linClrLst meth="repeat">
-      <a:schemeClr val="accent1"/>
-    </dgm:linClrLst>
-    <dgm:effectClrLst/>
-    <dgm:txLinClrLst/>
-    <dgm:txFillClrLst meth="repeat">
-      <a:schemeClr val="dk1"/>
-    </dgm:txFillClrLst>
-    <dgm:txEffectClrLst/>
-  </dgm:styleLbl>
-  <dgm:styleLbl name="trAlignAcc1">
-    <dgm:fillClrLst meth="repeat">
-      <a:schemeClr val="lt1">
-        <a:alpha val="40000"/>
-      </a:schemeClr>
-    </dgm:fillClrLst>
-    <dgm:linClrLst meth="repeat">
-      <a:schemeClr val="accent1"/>
-    </dgm:linClrLst>
-    <dgm:effectClrLst/>
-    <dgm:txLinClrLst/>
-    <dgm:txFillClrLst meth="repeat">
-      <a:schemeClr val="dk1"/>
-    </dgm:txFillClrLst>
-    <dgm:txEffectClrLst/>
-  </dgm:styleLbl>
-  <dgm:styleLbl name="bgAcc1">
-    <dgm:fillClrLst meth="repeat">
-      <a:schemeClr val="lt1">
-        <a:alpha val="90000"/>
-      </a:schemeClr>
-    </dgm:fillClrLst>
-    <dgm:linClrLst meth="repeat">
-      <a:schemeClr val="accent1"/>
-    </dgm:linClrLst>
-    <dgm:effectClrLst/>
-    <dgm:txLinClrLst/>
-    <dgm:txFillClrLst meth="repeat">
-      <a:schemeClr val="dk1"/>
-    </dgm:txFillClrLst>
-    <dgm:txEffectClrLst/>
-  </dgm:styleLbl>
-  <dgm:styleLbl name="solidFgAcc1">
-    <dgm:fillClrLst meth="repeat">
-      <a:schemeClr val="lt1"/>
-    </dgm:fillClrLst>
-    <dgm:linClrLst meth="repeat">
-      <a:schemeClr val="accent1"/>
-    </dgm:linClrLst>
-    <dgm:effectClrLst/>
-    <dgm:txLinClrLst/>
-    <dgm:txFillClrLst meth="repeat">
-      <a:schemeClr val="dk1"/>
-    </dgm:txFillClrLst>
-    <dgm:txEffectClrLst/>
-  </dgm:styleLbl>
-  <dgm:styleLbl name="solidAlignAcc1">
-    <dgm:fillClrLst meth="repeat">
-      <a:schemeClr val="lt1"/>
-    </dgm:fillClrLst>
-    <dgm:linClrLst meth="repeat">
-      <a:schemeClr val="accent1"/>
-    </dgm:linClrLst>
-    <dgm:effectClrLst/>
-    <dgm:txLinClrLst/>
-    <dgm:txFillClrLst meth="repeat">
-      <a:schemeClr val="dk1"/>
-    </dgm:txFillClrLst>
-    <dgm:txEffectClrLst/>
-  </dgm:styleLbl>
-  <dgm:styleLbl name="solidBgAcc1">
-    <dgm:fillClrLst meth="repeat">
-      <a:schemeClr val="lt1"/>
-    </dgm:fillClrLst>
-    <dgm:linClrLst meth="repeat">
-      <a:schemeClr val="accent1"/>
-    </dgm:linClrLst>
-    <dgm:effectClrLst/>
-    <dgm:txLinClrLst/>
-    <dgm:txFillClrLst meth="repeat">
-      <a:schemeClr val="dk1"/>
-    </dgm:txFillClrLst>
-    <dgm:txEffectClrLst/>
-  </dgm:styleLbl>
-  <dgm:styleLbl name="fgAccFollowNode1">
-    <dgm:fillClrLst meth="repeat">
-      <a:schemeClr val="accent1">
-        <a:alpha val="90000"/>
-        <a:tint val="40000"/>
-      </a:schemeClr>
-    </dgm:fillClrLst>
-    <dgm:linClrLst meth="repeat">
-      <a:schemeClr val="accent1">
-        <a:alpha val="90000"/>
-        <a:tint val="40000"/>
-      </a:schemeClr>
-    </dgm:linClrLst>
-    <dgm:effectClrLst/>
-    <dgm:txLinClrLst/>
-    <dgm:txFillClrLst meth="repeat">
-      <a:schemeClr val="dk1"/>
-    </dgm:txFillClrLst>
-    <dgm:txEffectClrLst/>
-  </dgm:styleLbl>
-  <dgm:styleLbl name="alignAccFollowNode1">
-    <dgm:fillClrLst meth="repeat">
-      <a:schemeClr val="accent1">
-        <a:alpha val="90000"/>
-        <a:tint val="40000"/>
-      </a:schemeClr>
-    </dgm:fillClrLst>
-    <dgm:linClrLst meth="repeat">
-      <a:schemeClr val="accent1">
-        <a:alpha val="90000"/>
-        <a:tint val="40000"/>
-      </a:schemeClr>
-    </dgm:linClrLst>
-    <dgm:effectClrLst/>
-    <dgm:txLinClrLst/>
-    <dgm:txFillClrLst meth="repeat">
-      <a:schemeClr val="dk1"/>
-    </dgm:txFillClrLst>
-    <dgm:txEffectClrLst/>
-  </dgm:styleLbl>
-  <dgm:styleLbl name="bgAccFollowNode1">
-    <dgm:fillClrLst meth="repeat">
-      <a:schemeClr val="accent1">
-        <a:alpha val="90000"/>
-        <a:tint val="40000"/>
-      </a:schemeClr>
-    </dgm:fillClrLst>
-    <dgm:linClrLst meth="repeat">
-      <a:schemeClr val="accent1">
-        <a:alpha val="90000"/>
-        <a:tint val="40000"/>
-      </a:schemeClr>
-    </dgm:linClrLst>
-    <dgm:effectClrLst/>
-    <dgm:txLinClrLst/>
-    <dgm:txFillClrLst meth="repeat">
-      <a:schemeClr val="dk1"/>
-    </dgm:txFillClrLst>
-    <dgm:txEffectClrLst/>
-  </dgm:styleLbl>
-  <dgm:styleLbl name="fgAcc0">
-    <dgm:fillClrLst meth="repeat">
-      <a:schemeClr val="lt1">
-        <a:alpha val="90000"/>
-      </a:schemeClr>
-    </dgm:fillClrLst>
-    <dgm:linClrLst meth="repeat">
-      <a:schemeClr val="accent1"/>
-    </dgm:linClrLst>
-    <dgm:effectClrLst/>
-    <dgm:txLinClrLst/>
-    <dgm:txFillClrLst meth="repeat">
-      <a:schemeClr val="dk1"/>
-    </dgm:txFillClrLst>
-    <dgm:txEffectClrLst/>
-  </dgm:styleLbl>
-  <dgm:styleLbl name="fgAcc2">
-    <dgm:fillClrLst meth="repeat">
-      <a:schemeClr val="lt1">
-        <a:alpha val="90000"/>
-      </a:schemeClr>
-    </dgm:fillClrLst>
-    <dgm:linClrLst meth="repeat">
-      <a:schemeClr val="accent1"/>
-    </dgm:linClrLst>
-    <dgm:effectClrLst/>
-    <dgm:txLinClrLst/>
-    <dgm:txFillClrLst meth="repeat">
-      <a:schemeClr val="dk1"/>
-    </dgm:txFillClrLst>
-    <dgm:txEffectClrLst/>
-  </dgm:styleLbl>
-  <dgm:styleLbl name="fgAcc3">
-    <dgm:fillClrLst meth="repeat">
-      <a:schemeClr val="lt1">
-        <a:alpha val="90000"/>
-      </a:schemeClr>
-    </dgm:fillClrLst>
-    <dgm:linClrLst meth="repeat">
-      <a:schemeClr val="accent1"/>
-    </dgm:linClrLst>
-    <dgm:effectClrLst/>
-    <dgm:txLinClrLst/>
-    <dgm:txFillClrLst meth="repeat">
-      <a:schemeClr val="dk1"/>
-    </dgm:txFillClrLst>
-    <dgm:txEffectClrLst/>
-  </dgm:styleLbl>
-  <dgm:styleLbl name="fgAcc4">
-    <dgm:fillClrLst meth="repeat">
-      <a:schemeClr val="lt1">
-        <a:alpha val="90000"/>
-      </a:schemeClr>
-    </dgm:fillClrLst>
-    <dgm:linClrLst meth="repeat">
-      <a:schemeClr val="accent1"/>
-    </dgm:linClrLst>
-    <dgm:effectClrLst/>
-    <dgm:txLinClrLst/>
-    <dgm:txFillClrLst meth="repeat">
-      <a:schemeClr val="dk1"/>
-    </dgm:txFillClrLst>
-    <dgm:txEffectClrLst/>
-  </dgm:styleLbl>
-  <dgm:styleLbl name="bgShp">
-    <dgm:fillClrLst meth="repeat">
-      <a:schemeClr val="bg1">
-        <a:lumMod val="95000"/>
-      </a:schemeClr>
-    </dgm:fillClrLst>
-    <dgm:linClrLst meth="repeat">
-      <a:schemeClr val="accent1"/>
-    </dgm:linClrLst>
-    <dgm:effectClrLst/>
-    <dgm:txLinClrLst/>
-    <dgm:txFillClrLst meth="repeat">
-      <a:schemeClr val="dk1"/>
-    </dgm:txFillClrLst>
-    <dgm:txEffectClrLst/>
-  </dgm:styleLbl>
-  <dgm:styleLbl name="dkBgShp">
-    <dgm:fillClrLst meth="repeat">
-      <a:schemeClr val="accent1">
-        <a:shade val="80000"/>
-      </a:schemeClr>
-    </dgm:fillClrLst>
-    <dgm:linClrLst meth="repeat">
-      <a:schemeClr val="accent1"/>
-    </dgm:linClrLst>
-    <dgm:effectClrLst/>
-    <dgm:txLinClrLst/>
-    <dgm:txFillClrLst meth="repeat">
-      <a:schemeClr val="lt1"/>
-    </dgm:txFillClrLst>
-    <dgm:txEffectClrLst/>
-  </dgm:styleLbl>
-  <dgm:styleLbl name="trBgShp">
-    <dgm:fillClrLst meth="repeat">
-      <a:schemeClr val="accent1">
-        <a:tint val="50000"/>
-        <a:alpha val="40000"/>
-      </a:schemeClr>
-    </dgm:fillClrLst>
-    <dgm:linClrLst meth="repeat">
-      <a:schemeClr val="accent1"/>
-    </dgm:linClrLst>
-    <dgm:effectClrLst/>
-    <dgm:txLinClrLst/>
-    <dgm:txFillClrLst meth="repeat">
-      <a:schemeClr val="lt1"/>
-    </dgm:txFillClrLst>
-    <dgm:txEffectClrLst/>
-  </dgm:styleLbl>
-  <dgm:styleLbl name="fgShp">
-    <dgm:fillClrLst meth="repeat">
-      <a:schemeClr val="accent1">
-        <a:tint val="60000"/>
-      </a:schemeClr>
-    </dgm:fillClrLst>
-    <dgm:linClrLst meth="repeat">
-      <a:schemeClr val="lt1"/>
-    </dgm:linClrLst>
-    <dgm:effectClrLst/>
-    <dgm:txLinClrLst/>
-    <dgm:txFillClrLst meth="repeat">
-      <a:schemeClr val="dk1"/>
-    </dgm:txFillClrLst>
-    <dgm:txEffectClrLst/>
-  </dgm:styleLbl>
-  <dgm:styleLbl name="revTx">
-    <dgm:fillClrLst meth="repeat">
-      <a:schemeClr val="lt1">
-        <a:alpha val="0"/>
-      </a:schemeClr>
-    </dgm:fillClrLst>
-    <dgm:linClrLst meth="repeat">
-      <a:schemeClr val="dk1">
-        <a:alpha val="0"/>
-      </a:schemeClr>
-    </dgm:linClrLst>
-    <dgm:effectClrLst/>
-    <dgm:txLinClrLst/>
-    <dgm:txFillClrLst meth="repeat">
-      <a:schemeClr val="tx1"/>
-    </dgm:txFillClrLst>
-    <dgm:txEffectClrLst/>
-  </dgm:styleLbl>
-</dgm:colorsDef>
-</file>
-
-<file path=ppt/diagrams/colors7.xml><?xml version="1.0" encoding="utf-8"?>
 <dgm:colorsDef xmlns:dgm="http://schemas.openxmlformats.org/drawingml/2006/diagram" xmlns:a="http://schemas.openxmlformats.org/drawingml/2006/main" uniqueId="urn:microsoft.com/office/officeart/2018/5/colors/Iconchunking_neutralbg_accent1_2">
   <dgm:title val=""/>
   <dgm:desc val=""/>
@@ -6413,7 +5663,7 @@
           </a:r>
           <a:r>
             <a:rPr lang="zh-CN" altLang="en-US" dirty="0"/>
-            <a:t>：国际班，考托福</a:t>
+            <a:t>：物理系国际班，考托福</a:t>
           </a:r>
           <a:endParaRPr lang="en-US" dirty="0"/>
         </a:p>
@@ -7535,232 +6785,6 @@
 </dgm:dataModel>
 </file>
 
-<file path=ppt/diagrams/data7.xml><?xml version="1.0" encoding="utf-8"?>
-<dgm:dataModel xmlns:dgm="http://schemas.openxmlformats.org/drawingml/2006/diagram" xmlns:a="http://schemas.openxmlformats.org/drawingml/2006/main">
-  <dgm:ptLst>
-    <dgm:pt modelId="{9F246571-A156-4764-BA07-9D4C8F40F28E}" type="doc">
-      <dgm:prSet loTypeId="urn:microsoft.com/office/officeart/2018/2/layout/IconLabelList" loCatId="icon" qsTypeId="urn:microsoft.com/office/officeart/2005/8/quickstyle/simple1" qsCatId="simple" csTypeId="urn:microsoft.com/office/officeart/2018/5/colors/Iconchunking_neutralbg_accent1_2" csCatId="accent1" phldr="1"/>
-      <dgm:spPr/>
-      <dgm:t>
-        <a:bodyPr/>
-        <a:lstStyle/>
-        <a:p>
-          <a:endParaRPr lang="en-US"/>
-        </a:p>
-      </dgm:t>
-    </dgm:pt>
-    <dgm:pt modelId="{74F0D463-D43E-49F3-AD27-6D05C5EE332B}">
-      <dgm:prSet/>
-      <dgm:spPr/>
-      <dgm:t>
-        <a:bodyPr/>
-        <a:lstStyle/>
-        <a:p>
-          <a:r>
-            <a:rPr lang="en-US"/>
-            <a:t>邵东三中</a:t>
-          </a:r>
-          <a:r>
-            <a:rPr lang="zh-CN"/>
-            <a:t>？博士？</a:t>
-          </a:r>
-          <a:endParaRPr lang="en-US"/>
-        </a:p>
-      </dgm:t>
-    </dgm:pt>
-    <dgm:pt modelId="{DC55E04D-4A6A-4F4A-8B8D-9FA0B6C834C9}" type="parTrans" cxnId="{09D2040E-EFD9-4288-BC0B-FD07DD304E42}">
-      <dgm:prSet/>
-      <dgm:spPr/>
-      <dgm:t>
-        <a:bodyPr/>
-        <a:lstStyle/>
-        <a:p>
-          <a:endParaRPr lang="en-US"/>
-        </a:p>
-      </dgm:t>
-    </dgm:pt>
-    <dgm:pt modelId="{7629BDC3-8E91-4C0E-900C-D1E6EC4E0C5A}" type="sibTrans" cxnId="{09D2040E-EFD9-4288-BC0B-FD07DD304E42}">
-      <dgm:prSet/>
-      <dgm:spPr/>
-      <dgm:t>
-        <a:bodyPr/>
-        <a:lstStyle/>
-        <a:p>
-          <a:endParaRPr lang="en-US"/>
-        </a:p>
-      </dgm:t>
-    </dgm:pt>
-    <dgm:pt modelId="{0AA52CAF-B7A2-4133-92F0-7D41809E1F2C}">
-      <dgm:prSet/>
-      <dgm:spPr/>
-      <dgm:t>
-        <a:bodyPr/>
-        <a:lstStyle/>
-        <a:p>
-          <a:r>
-            <a:rPr lang="en-US"/>
-            <a:t>中学时期</a:t>
-          </a:r>
-          <a:r>
-            <a:rPr lang="zh-CN"/>
-            <a:t>：能力和潜力</a:t>
-          </a:r>
-          <a:endParaRPr lang="en-US"/>
-        </a:p>
-      </dgm:t>
-    </dgm:pt>
-    <dgm:pt modelId="{EC973689-63D4-430F-93D4-842779E48DDD}" type="parTrans" cxnId="{34A33170-6596-4F7F-838E-A044C51ED381}">
-      <dgm:prSet/>
-      <dgm:spPr/>
-      <dgm:t>
-        <a:bodyPr/>
-        <a:lstStyle/>
-        <a:p>
-          <a:endParaRPr lang="en-US"/>
-        </a:p>
-      </dgm:t>
-    </dgm:pt>
-    <dgm:pt modelId="{5EA804CE-BF4D-4762-9DBF-5E4B28B4B2DF}" type="sibTrans" cxnId="{34A33170-6596-4F7F-838E-A044C51ED381}">
-      <dgm:prSet/>
-      <dgm:spPr/>
-      <dgm:t>
-        <a:bodyPr/>
-        <a:lstStyle/>
-        <a:p>
-          <a:endParaRPr lang="en-US"/>
-        </a:p>
-      </dgm:t>
-    </dgm:pt>
-    <dgm:pt modelId="{1B10F654-7209-400C-9457-5F0CD2E3CB56}" type="pres">
-      <dgm:prSet presAssocID="{9F246571-A156-4764-BA07-9D4C8F40F28E}" presName="root" presStyleCnt="0">
-        <dgm:presLayoutVars>
-          <dgm:dir/>
-          <dgm:resizeHandles val="exact"/>
-        </dgm:presLayoutVars>
-      </dgm:prSet>
-      <dgm:spPr/>
-    </dgm:pt>
-    <dgm:pt modelId="{10514716-8E44-439E-8416-10FF3B0852B0}" type="pres">
-      <dgm:prSet presAssocID="{74F0D463-D43E-49F3-AD27-6D05C5EE332B}" presName="compNode" presStyleCnt="0"/>
-      <dgm:spPr/>
-    </dgm:pt>
-    <dgm:pt modelId="{7D2E5266-20B3-48EC-92B7-2814245651D5}" type="pres">
-      <dgm:prSet presAssocID="{74F0D463-D43E-49F3-AD27-6D05C5EE332B}" presName="iconRect" presStyleLbl="node1" presStyleIdx="0" presStyleCnt="2"/>
-      <dgm:spPr>
-        <a:blipFill>
-          <a:blip xmlns:r="http://schemas.openxmlformats.org/officeDocument/2006/relationships" r:embed="rId1">
-            <a:extLst>
-              <a:ext uri="{28A0092B-C50C-407E-A947-70E740481C1C}">
-                <a14:useLocalDpi xmlns:a14="http://schemas.microsoft.com/office/drawing/2010/main" val="0"/>
-              </a:ext>
-              <a:ext uri="{96DAC541-7B7A-43D3-8B79-37D633B846F1}">
-                <asvg:svgBlip xmlns:asvg="http://schemas.microsoft.com/office/drawing/2016/SVG/main" r:embed="rId2"/>
-              </a:ext>
-            </a:extLst>
-          </a:blip>
-          <a:stretch>
-            <a:fillRect/>
-          </a:stretch>
-        </a:blipFill>
-        <a:ln>
-          <a:noFill/>
-        </a:ln>
-      </dgm:spPr>
-      <dgm:extLst>
-        <a:ext uri="{E40237B7-FDA0-4F09-8148-C483321AD2D9}">
-          <dgm14:cNvPr xmlns:dgm14="http://schemas.microsoft.com/office/drawing/2010/diagram" id="0" name="" descr="Doctor"/>
-        </a:ext>
-      </dgm:extLst>
-    </dgm:pt>
-    <dgm:pt modelId="{25C43A0A-89DF-49A6-9B2E-E64ADFD20AF0}" type="pres">
-      <dgm:prSet presAssocID="{74F0D463-D43E-49F3-AD27-6D05C5EE332B}" presName="spaceRect" presStyleCnt="0"/>
-      <dgm:spPr/>
-    </dgm:pt>
-    <dgm:pt modelId="{6B8FED1B-9851-4EF4-8C50-A710B0ACB2D9}" type="pres">
-      <dgm:prSet presAssocID="{74F0D463-D43E-49F3-AD27-6D05C5EE332B}" presName="textRect" presStyleLbl="revTx" presStyleIdx="0" presStyleCnt="2">
-        <dgm:presLayoutVars>
-          <dgm:chMax val="1"/>
-          <dgm:chPref val="1"/>
-        </dgm:presLayoutVars>
-      </dgm:prSet>
-      <dgm:spPr/>
-    </dgm:pt>
-    <dgm:pt modelId="{E053E92B-AD40-45BE-8E52-4DB758CB2CC8}" type="pres">
-      <dgm:prSet presAssocID="{7629BDC3-8E91-4C0E-900C-D1E6EC4E0C5A}" presName="sibTrans" presStyleCnt="0"/>
-      <dgm:spPr/>
-    </dgm:pt>
-    <dgm:pt modelId="{5992F7C7-E3DD-410B-993B-0D828BC4FADC}" type="pres">
-      <dgm:prSet presAssocID="{0AA52CAF-B7A2-4133-92F0-7D41809E1F2C}" presName="compNode" presStyleCnt="0"/>
-      <dgm:spPr/>
-    </dgm:pt>
-    <dgm:pt modelId="{8AECE1F2-4581-4EAD-8232-546AF541A78D}" type="pres">
-      <dgm:prSet presAssocID="{0AA52CAF-B7A2-4133-92F0-7D41809E1F2C}" presName="iconRect" presStyleLbl="node1" presStyleIdx="1" presStyleCnt="2"/>
-      <dgm:spPr>
-        <a:blipFill>
-          <a:blip xmlns:r="http://schemas.openxmlformats.org/officeDocument/2006/relationships" r:embed="rId3">
-            <a:extLst>
-              <a:ext uri="{28A0092B-C50C-407E-A947-70E740481C1C}">
-                <a14:useLocalDpi xmlns:a14="http://schemas.microsoft.com/office/drawing/2010/main" val="0"/>
-              </a:ext>
-              <a:ext uri="{96DAC541-7B7A-43D3-8B79-37D633B846F1}">
-                <asvg:svgBlip xmlns:asvg="http://schemas.microsoft.com/office/drawing/2016/SVG/main" r:embed="rId4"/>
-              </a:ext>
-            </a:extLst>
-          </a:blip>
-          <a:stretch>
-            <a:fillRect/>
-          </a:stretch>
-        </a:blipFill>
-        <a:ln>
-          <a:noFill/>
-        </a:ln>
-      </dgm:spPr>
-      <dgm:extLst>
-        <a:ext uri="{E40237B7-FDA0-4F09-8148-C483321AD2D9}">
-          <dgm14:cNvPr xmlns:dgm14="http://schemas.microsoft.com/office/drawing/2010/diagram" id="0" name="" descr="Head with Gears"/>
-        </a:ext>
-      </dgm:extLst>
-    </dgm:pt>
-    <dgm:pt modelId="{481D8137-18AE-4220-95E9-E37C7FEE8715}" type="pres">
-      <dgm:prSet presAssocID="{0AA52CAF-B7A2-4133-92F0-7D41809E1F2C}" presName="spaceRect" presStyleCnt="0"/>
-      <dgm:spPr/>
-    </dgm:pt>
-    <dgm:pt modelId="{458063FB-BA95-4EFE-8E35-BADEE37B829B}" type="pres">
-      <dgm:prSet presAssocID="{0AA52CAF-B7A2-4133-92F0-7D41809E1F2C}" presName="textRect" presStyleLbl="revTx" presStyleIdx="1" presStyleCnt="2">
-        <dgm:presLayoutVars>
-          <dgm:chMax val="1"/>
-          <dgm:chPref val="1"/>
-        </dgm:presLayoutVars>
-      </dgm:prSet>
-      <dgm:spPr/>
-    </dgm:pt>
-  </dgm:ptLst>
-  <dgm:cxnLst>
-    <dgm:cxn modelId="{09D2040E-EFD9-4288-BC0B-FD07DD304E42}" srcId="{9F246571-A156-4764-BA07-9D4C8F40F28E}" destId="{74F0D463-D43E-49F3-AD27-6D05C5EE332B}" srcOrd="0" destOrd="0" parTransId="{DC55E04D-4A6A-4F4A-8B8D-9FA0B6C834C9}" sibTransId="{7629BDC3-8E91-4C0E-900C-D1E6EC4E0C5A}"/>
-    <dgm:cxn modelId="{25999610-B32D-4A8E-A6B7-ADF6AB31B146}" type="presOf" srcId="{74F0D463-D43E-49F3-AD27-6D05C5EE332B}" destId="{6B8FED1B-9851-4EF4-8C50-A710B0ACB2D9}" srcOrd="0" destOrd="0" presId="urn:microsoft.com/office/officeart/2018/2/layout/IconLabelList"/>
-    <dgm:cxn modelId="{93C30029-16FB-46BD-9569-A9F13E76DECC}" type="presOf" srcId="{9F246571-A156-4764-BA07-9D4C8F40F28E}" destId="{1B10F654-7209-400C-9457-5F0CD2E3CB56}" srcOrd="0" destOrd="0" presId="urn:microsoft.com/office/officeart/2018/2/layout/IconLabelList"/>
-    <dgm:cxn modelId="{08B43B2E-424B-4EDA-88A9-3AC9135832C6}" type="presOf" srcId="{0AA52CAF-B7A2-4133-92F0-7D41809E1F2C}" destId="{458063FB-BA95-4EFE-8E35-BADEE37B829B}" srcOrd="0" destOrd="0" presId="urn:microsoft.com/office/officeart/2018/2/layout/IconLabelList"/>
-    <dgm:cxn modelId="{34A33170-6596-4F7F-838E-A044C51ED381}" srcId="{9F246571-A156-4764-BA07-9D4C8F40F28E}" destId="{0AA52CAF-B7A2-4133-92F0-7D41809E1F2C}" srcOrd="1" destOrd="0" parTransId="{EC973689-63D4-430F-93D4-842779E48DDD}" sibTransId="{5EA804CE-BF4D-4762-9DBF-5E4B28B4B2DF}"/>
-    <dgm:cxn modelId="{A27A7482-3026-4BC2-8498-5E7171741D04}" type="presParOf" srcId="{1B10F654-7209-400C-9457-5F0CD2E3CB56}" destId="{10514716-8E44-439E-8416-10FF3B0852B0}" srcOrd="0" destOrd="0" presId="urn:microsoft.com/office/officeart/2018/2/layout/IconLabelList"/>
-    <dgm:cxn modelId="{D1C32CE1-D101-4BE1-9768-4CAAD1CDAFF4}" type="presParOf" srcId="{10514716-8E44-439E-8416-10FF3B0852B0}" destId="{7D2E5266-20B3-48EC-92B7-2814245651D5}" srcOrd="0" destOrd="0" presId="urn:microsoft.com/office/officeart/2018/2/layout/IconLabelList"/>
-    <dgm:cxn modelId="{1E893DF2-E1F6-4E03-9396-FEF30206C62A}" type="presParOf" srcId="{10514716-8E44-439E-8416-10FF3B0852B0}" destId="{25C43A0A-89DF-49A6-9B2E-E64ADFD20AF0}" srcOrd="1" destOrd="0" presId="urn:microsoft.com/office/officeart/2018/2/layout/IconLabelList"/>
-    <dgm:cxn modelId="{278508B3-D7EF-4F4A-B852-87250ED3DCDA}" type="presParOf" srcId="{10514716-8E44-439E-8416-10FF3B0852B0}" destId="{6B8FED1B-9851-4EF4-8C50-A710B0ACB2D9}" srcOrd="2" destOrd="0" presId="urn:microsoft.com/office/officeart/2018/2/layout/IconLabelList"/>
-    <dgm:cxn modelId="{41E4D8AE-670F-4561-82AF-B39F2EB94438}" type="presParOf" srcId="{1B10F654-7209-400C-9457-5F0CD2E3CB56}" destId="{E053E92B-AD40-45BE-8E52-4DB758CB2CC8}" srcOrd="1" destOrd="0" presId="urn:microsoft.com/office/officeart/2018/2/layout/IconLabelList"/>
-    <dgm:cxn modelId="{9DA0CF78-17E4-41A7-BFCD-A5AA3EA11B23}" type="presParOf" srcId="{1B10F654-7209-400C-9457-5F0CD2E3CB56}" destId="{5992F7C7-E3DD-410B-993B-0D828BC4FADC}" srcOrd="2" destOrd="0" presId="urn:microsoft.com/office/officeart/2018/2/layout/IconLabelList"/>
-    <dgm:cxn modelId="{CBE45F82-5BE2-43FA-8E04-025AEC4C3E50}" type="presParOf" srcId="{5992F7C7-E3DD-410B-993B-0D828BC4FADC}" destId="{8AECE1F2-4581-4EAD-8232-546AF541A78D}" srcOrd="0" destOrd="0" presId="urn:microsoft.com/office/officeart/2018/2/layout/IconLabelList"/>
-    <dgm:cxn modelId="{CE77F560-1DD4-4A0E-8033-FFC71679C8B8}" type="presParOf" srcId="{5992F7C7-E3DD-410B-993B-0D828BC4FADC}" destId="{481D8137-18AE-4220-95E9-E37C7FEE8715}" srcOrd="1" destOrd="0" presId="urn:microsoft.com/office/officeart/2018/2/layout/IconLabelList"/>
-    <dgm:cxn modelId="{7E59594F-8244-4B4C-8687-05C99ADDF9E6}" type="presParOf" srcId="{5992F7C7-E3DD-410B-993B-0D828BC4FADC}" destId="{458063FB-BA95-4EFE-8E35-BADEE37B829B}" srcOrd="2" destOrd="0" presId="urn:microsoft.com/office/officeart/2018/2/layout/IconLabelList"/>
-  </dgm:cxnLst>
-  <dgm:bg/>
-  <dgm:whole/>
-  <dgm:extLst>
-    <a:ext uri="http://schemas.microsoft.com/office/drawing/2008/diagram">
-      <dsp:dataModelExt xmlns:dsp="http://schemas.microsoft.com/office/drawing/2008/diagram" relId="rId7" minVer="http://schemas.openxmlformats.org/drawingml/2006/diagram"/>
-    </a:ext>
-  </dgm:extLst>
-</dgm:dataModel>
-</file>
-
 <file path=ppt/diagrams/drawing1.xml><?xml version="1.0" encoding="utf-8"?>
 <dsp:drawing xmlns:dgm="http://schemas.openxmlformats.org/drawingml/2006/diagram" xmlns:dsp="http://schemas.microsoft.com/office/drawing/2008/diagram" xmlns:a="http://schemas.openxmlformats.org/drawingml/2006/main">
   <dsp:spTree>
@@ -8734,12 +7758,12 @@
         </a:fontRef>
       </dsp:style>
       <dsp:txBody>
-        <a:bodyPr spcFirstLastPara="0" vert="horz" wrap="square" lIns="99060" tIns="99060" rIns="99060" bIns="99060" numCol="1" spcCol="1270" anchor="ctr" anchorCtr="0">
+        <a:bodyPr spcFirstLastPara="0" vert="horz" wrap="square" lIns="95250" tIns="95250" rIns="95250" bIns="95250" numCol="1" spcCol="1270" anchor="ctr" anchorCtr="0">
           <a:noAutofit/>
         </a:bodyPr>
         <a:lstStyle/>
         <a:p>
-          <a:pPr marL="0" lvl="0" indent="0" algn="l" defTabSz="1155700">
+          <a:pPr marL="0" lvl="0" indent="0" algn="l" defTabSz="1111250">
             <a:lnSpc>
               <a:spcPct val="90000"/>
             </a:lnSpc>
@@ -8752,18 +7776,18 @@
             <a:buNone/>
           </a:pPr>
           <a:r>
-            <a:rPr lang="en-US" sz="2600" kern="1200" dirty="0" err="1"/>
+            <a:rPr lang="en-US" sz="2500" kern="1200" dirty="0" err="1"/>
             <a:t>大一</a:t>
           </a:r>
           <a:r>
-            <a:rPr lang="zh-CN" altLang="en-US" sz="2600" kern="1200" dirty="0"/>
+            <a:rPr lang="zh-CN" altLang="en-US" sz="2500" kern="1200" dirty="0"/>
             <a:t>：名校光环。出国？</a:t>
           </a:r>
           <a:r>
-            <a:rPr lang="en-US" altLang="zh-CN" sz="2600" kern="1200" dirty="0"/>
+            <a:rPr lang="en-US" altLang="zh-CN" sz="2500" kern="1200" dirty="0"/>
             <a:t>NO</a:t>
           </a:r>
-          <a:endParaRPr lang="en-US" sz="2600" kern="1200" dirty="0"/>
+          <a:endParaRPr lang="en-US" sz="2500" kern="1200" dirty="0"/>
         </a:p>
       </dsp:txBody>
       <dsp:txXfrm>
@@ -8822,12 +7846,12 @@
         </a:fontRef>
       </dsp:style>
       <dsp:txBody>
-        <a:bodyPr spcFirstLastPara="0" vert="horz" wrap="square" lIns="99060" tIns="99060" rIns="99060" bIns="99060" numCol="1" spcCol="1270" anchor="ctr" anchorCtr="0">
+        <a:bodyPr spcFirstLastPara="0" vert="horz" wrap="square" lIns="95250" tIns="95250" rIns="95250" bIns="95250" numCol="1" spcCol="1270" anchor="ctr" anchorCtr="0">
           <a:noAutofit/>
         </a:bodyPr>
         <a:lstStyle/>
         <a:p>
-          <a:pPr marL="0" lvl="0" indent="0" algn="l" defTabSz="1155700">
+          <a:pPr marL="0" lvl="0" indent="0" algn="l" defTabSz="1111250">
             <a:lnSpc>
               <a:spcPct val="90000"/>
             </a:lnSpc>
@@ -8840,14 +7864,14 @@
             <a:buNone/>
           </a:pPr>
           <a:r>
-            <a:rPr lang="en-US" sz="2600" kern="1200" dirty="0" err="1"/>
+            <a:rPr lang="en-US" sz="2500" kern="1200" dirty="0" err="1"/>
             <a:t>大二</a:t>
           </a:r>
           <a:r>
-            <a:rPr lang="zh-CN" altLang="en-US" sz="2600" kern="1200" dirty="0"/>
-            <a:t>：国际班，考托福</a:t>
+            <a:rPr lang="zh-CN" altLang="en-US" sz="2500" kern="1200" dirty="0"/>
+            <a:t>：物理系国际班，考托福</a:t>
           </a:r>
-          <a:endParaRPr lang="en-US" sz="2600" kern="1200" dirty="0"/>
+          <a:endParaRPr lang="en-US" sz="2500" kern="1200" dirty="0"/>
         </a:p>
       </dsp:txBody>
       <dsp:txXfrm>
@@ -8906,12 +7930,12 @@
         </a:fontRef>
       </dsp:style>
       <dsp:txBody>
-        <a:bodyPr spcFirstLastPara="0" vert="horz" wrap="square" lIns="99060" tIns="99060" rIns="99060" bIns="99060" numCol="1" spcCol="1270" anchor="ctr" anchorCtr="0">
+        <a:bodyPr spcFirstLastPara="0" vert="horz" wrap="square" lIns="95250" tIns="95250" rIns="95250" bIns="95250" numCol="1" spcCol="1270" anchor="ctr" anchorCtr="0">
           <a:noAutofit/>
         </a:bodyPr>
         <a:lstStyle/>
         <a:p>
-          <a:pPr marL="0" lvl="0" indent="0" algn="l" defTabSz="1155700">
+          <a:pPr marL="0" lvl="0" indent="0" algn="l" defTabSz="1111250">
             <a:lnSpc>
               <a:spcPct val="90000"/>
             </a:lnSpc>
@@ -8924,14 +7948,14 @@
             <a:buNone/>
           </a:pPr>
           <a:r>
-            <a:rPr lang="en-US" sz="2600" kern="1200" dirty="0" err="1"/>
+            <a:rPr lang="en-US" sz="2500" kern="1200" dirty="0" err="1"/>
             <a:t>大三</a:t>
           </a:r>
           <a:r>
-            <a:rPr lang="zh-CN" altLang="en-US" sz="2600" kern="1200" dirty="0"/>
+            <a:rPr lang="zh-CN" altLang="en-US" sz="2500" kern="1200" dirty="0"/>
             <a:t>：一半同学准备出国</a:t>
           </a:r>
-          <a:endParaRPr lang="en-US" sz="2600" kern="1200" dirty="0"/>
+          <a:endParaRPr lang="en-US" sz="2500" kern="1200" dirty="0"/>
         </a:p>
       </dsp:txBody>
       <dsp:txXfrm>
@@ -8990,12 +8014,12 @@
         </a:fontRef>
       </dsp:style>
       <dsp:txBody>
-        <a:bodyPr spcFirstLastPara="0" vert="horz" wrap="square" lIns="99060" tIns="99060" rIns="99060" bIns="99060" numCol="1" spcCol="1270" anchor="ctr" anchorCtr="0">
+        <a:bodyPr spcFirstLastPara="0" vert="horz" wrap="square" lIns="95250" tIns="95250" rIns="95250" bIns="95250" numCol="1" spcCol="1270" anchor="ctr" anchorCtr="0">
           <a:noAutofit/>
         </a:bodyPr>
         <a:lstStyle/>
         <a:p>
-          <a:pPr marL="0" lvl="0" indent="0" algn="l" defTabSz="1155700">
+          <a:pPr marL="0" lvl="0" indent="0" algn="l" defTabSz="1111250">
             <a:lnSpc>
               <a:spcPct val="90000"/>
             </a:lnSpc>
@@ -9008,14 +8032,14 @@
             <a:buNone/>
           </a:pPr>
           <a:r>
-            <a:rPr lang="en-US" sz="2600" kern="1200" dirty="0" err="1"/>
+            <a:rPr lang="en-US" sz="2500" kern="1200" dirty="0" err="1"/>
             <a:t>大四</a:t>
           </a:r>
           <a:r>
-            <a:rPr lang="zh-CN" altLang="en-US" sz="2600" kern="1200" dirty="0"/>
+            <a:rPr lang="zh-CN" altLang="en-US" sz="2500" kern="1200" dirty="0"/>
             <a:t>：保研，考研，出国？</a:t>
           </a:r>
-          <a:endParaRPr lang="en-US" sz="2600" kern="1200" dirty="0"/>
+          <a:endParaRPr lang="en-US" sz="2500" kern="1200" dirty="0"/>
         </a:p>
       </dsp:txBody>
       <dsp:txXfrm>
@@ -10317,246 +9341,6 @@
             <a:t>昂首挺胸阔肩</a:t>
           </a:r>
           <a:endParaRPr lang="en-US" sz="3500" kern="1200" dirty="0"/>
-        </a:p>
-      </dsp:txBody>
-      <dsp:txXfrm>
-        <a:off x="5771273" y="2569153"/>
-        <a:ext cx="4320000" cy="720000"/>
-      </dsp:txXfrm>
-    </dsp:sp>
-  </dsp:spTree>
-</dsp:drawing>
-</file>
-
-<file path=ppt/diagrams/drawing7.xml><?xml version="1.0" encoding="utf-8"?>
-<dsp:drawing xmlns:dgm="http://schemas.openxmlformats.org/drawingml/2006/diagram" xmlns:dsp="http://schemas.microsoft.com/office/drawing/2008/diagram" xmlns:a="http://schemas.openxmlformats.org/drawingml/2006/main">
-  <dsp:spTree>
-    <dsp:nvGrpSpPr>
-      <dsp:cNvPr id="0" name=""/>
-      <dsp:cNvGrpSpPr/>
-    </dsp:nvGrpSpPr>
-    <dsp:grpSpPr/>
-    <dsp:sp modelId="{7D2E5266-20B3-48EC-92B7-2814245651D5}">
-      <dsp:nvSpPr>
-        <dsp:cNvPr id="0" name=""/>
-        <dsp:cNvSpPr/>
-      </dsp:nvSpPr>
-      <dsp:spPr>
-        <a:xfrm>
-          <a:off x="1883273" y="154951"/>
-          <a:ext cx="1944000" cy="1944000"/>
-        </a:xfrm>
-        <a:prstGeom prst="rect">
-          <a:avLst/>
-        </a:prstGeom>
-        <a:blipFill>
-          <a:blip xmlns:r="http://schemas.openxmlformats.org/officeDocument/2006/relationships" r:embed="rId1">
-            <a:extLst>
-              <a:ext uri="{28A0092B-C50C-407E-A947-70E740481C1C}">
-                <a14:useLocalDpi xmlns:a14="http://schemas.microsoft.com/office/drawing/2010/main" val="0"/>
-              </a:ext>
-              <a:ext uri="{96DAC541-7B7A-43D3-8B79-37D633B846F1}">
-                <asvg:svgBlip xmlns:asvg="http://schemas.microsoft.com/office/drawing/2016/SVG/main" r:embed="rId2"/>
-              </a:ext>
-            </a:extLst>
-          </a:blip>
-          <a:stretch>
-            <a:fillRect/>
-          </a:stretch>
-        </a:blipFill>
-        <a:ln w="10795" cap="flat" cmpd="sng" algn="ctr">
-          <a:noFill/>
-          <a:prstDash val="solid"/>
-        </a:ln>
-        <a:effectLst/>
-      </dsp:spPr>
-      <dsp:style>
-        <a:lnRef idx="2">
-          <a:scrgbClr r="0" g="0" b="0"/>
-        </a:lnRef>
-        <a:fillRef idx="1">
-          <a:scrgbClr r="0" g="0" b="0"/>
-        </a:fillRef>
-        <a:effectRef idx="0">
-          <a:scrgbClr r="0" g="0" b="0"/>
-        </a:effectRef>
-        <a:fontRef idx="minor">
-          <a:schemeClr val="lt1"/>
-        </a:fontRef>
-      </dsp:style>
-    </dsp:sp>
-    <dsp:sp modelId="{6B8FED1B-9851-4EF4-8C50-A710B0ACB2D9}">
-      <dsp:nvSpPr>
-        <dsp:cNvPr id="0" name=""/>
-        <dsp:cNvSpPr/>
-      </dsp:nvSpPr>
-      <dsp:spPr>
-        <a:xfrm>
-          <a:off x="695272" y="2569153"/>
-          <a:ext cx="4320000" cy="720000"/>
-        </a:xfrm>
-        <a:prstGeom prst="rect">
-          <a:avLst/>
-        </a:prstGeom>
-        <a:noFill/>
-        <a:ln>
-          <a:noFill/>
-        </a:ln>
-        <a:effectLst/>
-      </dsp:spPr>
-      <dsp:style>
-        <a:lnRef idx="0">
-          <a:scrgbClr r="0" g="0" b="0"/>
-        </a:lnRef>
-        <a:fillRef idx="0">
-          <a:scrgbClr r="0" g="0" b="0"/>
-        </a:fillRef>
-        <a:effectRef idx="0">
-          <a:scrgbClr r="0" g="0" b="0"/>
-        </a:effectRef>
-        <a:fontRef idx="minor"/>
-      </dsp:style>
-      <dsp:txBody>
-        <a:bodyPr spcFirstLastPara="0" vert="horz" wrap="square" lIns="0" tIns="0" rIns="0" bIns="0" numCol="1" spcCol="1270" anchor="t" anchorCtr="0">
-          <a:noAutofit/>
-        </a:bodyPr>
-        <a:lstStyle/>
-        <a:p>
-          <a:pPr marL="0" lvl="0" indent="0" algn="ctr" defTabSz="1511300">
-            <a:lnSpc>
-              <a:spcPct val="90000"/>
-            </a:lnSpc>
-            <a:spcBef>
-              <a:spcPct val="0"/>
-            </a:spcBef>
-            <a:spcAft>
-              <a:spcPct val="35000"/>
-            </a:spcAft>
-            <a:buNone/>
-          </a:pPr>
-          <a:r>
-            <a:rPr lang="en-US" sz="3400" kern="1200"/>
-            <a:t>邵东三中</a:t>
-          </a:r>
-          <a:r>
-            <a:rPr lang="zh-CN" sz="3400" kern="1200"/>
-            <a:t>？博士？</a:t>
-          </a:r>
-          <a:endParaRPr lang="en-US" sz="3400" kern="1200"/>
-        </a:p>
-      </dsp:txBody>
-      <dsp:txXfrm>
-        <a:off x="695272" y="2569153"/>
-        <a:ext cx="4320000" cy="720000"/>
-      </dsp:txXfrm>
-    </dsp:sp>
-    <dsp:sp modelId="{8AECE1F2-4581-4EAD-8232-546AF541A78D}">
-      <dsp:nvSpPr>
-        <dsp:cNvPr id="0" name=""/>
-        <dsp:cNvSpPr/>
-      </dsp:nvSpPr>
-      <dsp:spPr>
-        <a:xfrm>
-          <a:off x="6959273" y="154951"/>
-          <a:ext cx="1944000" cy="1944000"/>
-        </a:xfrm>
-        <a:prstGeom prst="rect">
-          <a:avLst/>
-        </a:prstGeom>
-        <a:blipFill>
-          <a:blip xmlns:r="http://schemas.openxmlformats.org/officeDocument/2006/relationships" r:embed="rId3">
-            <a:extLst>
-              <a:ext uri="{28A0092B-C50C-407E-A947-70E740481C1C}">
-                <a14:useLocalDpi xmlns:a14="http://schemas.microsoft.com/office/drawing/2010/main" val="0"/>
-              </a:ext>
-              <a:ext uri="{96DAC541-7B7A-43D3-8B79-37D633B846F1}">
-                <asvg:svgBlip xmlns:asvg="http://schemas.microsoft.com/office/drawing/2016/SVG/main" r:embed="rId4"/>
-              </a:ext>
-            </a:extLst>
-          </a:blip>
-          <a:stretch>
-            <a:fillRect/>
-          </a:stretch>
-        </a:blipFill>
-        <a:ln w="10795" cap="flat" cmpd="sng" algn="ctr">
-          <a:noFill/>
-          <a:prstDash val="solid"/>
-        </a:ln>
-        <a:effectLst/>
-      </dsp:spPr>
-      <dsp:style>
-        <a:lnRef idx="2">
-          <a:scrgbClr r="0" g="0" b="0"/>
-        </a:lnRef>
-        <a:fillRef idx="1">
-          <a:scrgbClr r="0" g="0" b="0"/>
-        </a:fillRef>
-        <a:effectRef idx="0">
-          <a:scrgbClr r="0" g="0" b="0"/>
-        </a:effectRef>
-        <a:fontRef idx="minor">
-          <a:schemeClr val="lt1"/>
-        </a:fontRef>
-      </dsp:style>
-    </dsp:sp>
-    <dsp:sp modelId="{458063FB-BA95-4EFE-8E35-BADEE37B829B}">
-      <dsp:nvSpPr>
-        <dsp:cNvPr id="0" name=""/>
-        <dsp:cNvSpPr/>
-      </dsp:nvSpPr>
-      <dsp:spPr>
-        <a:xfrm>
-          <a:off x="5771273" y="2569153"/>
-          <a:ext cx="4320000" cy="720000"/>
-        </a:xfrm>
-        <a:prstGeom prst="rect">
-          <a:avLst/>
-        </a:prstGeom>
-        <a:noFill/>
-        <a:ln>
-          <a:noFill/>
-        </a:ln>
-        <a:effectLst/>
-      </dsp:spPr>
-      <dsp:style>
-        <a:lnRef idx="0">
-          <a:scrgbClr r="0" g="0" b="0"/>
-        </a:lnRef>
-        <a:fillRef idx="0">
-          <a:scrgbClr r="0" g="0" b="0"/>
-        </a:fillRef>
-        <a:effectRef idx="0">
-          <a:scrgbClr r="0" g="0" b="0"/>
-        </a:effectRef>
-        <a:fontRef idx="minor"/>
-      </dsp:style>
-      <dsp:txBody>
-        <a:bodyPr spcFirstLastPara="0" vert="horz" wrap="square" lIns="0" tIns="0" rIns="0" bIns="0" numCol="1" spcCol="1270" anchor="t" anchorCtr="0">
-          <a:noAutofit/>
-        </a:bodyPr>
-        <a:lstStyle/>
-        <a:p>
-          <a:pPr marL="0" lvl="0" indent="0" algn="ctr" defTabSz="1511300">
-            <a:lnSpc>
-              <a:spcPct val="90000"/>
-            </a:lnSpc>
-            <a:spcBef>
-              <a:spcPct val="0"/>
-            </a:spcBef>
-            <a:spcAft>
-              <a:spcPct val="35000"/>
-            </a:spcAft>
-            <a:buNone/>
-          </a:pPr>
-          <a:r>
-            <a:rPr lang="en-US" sz="3400" kern="1200"/>
-            <a:t>中学时期</a:t>
-          </a:r>
-          <a:r>
-            <a:rPr lang="zh-CN" sz="3400" kern="1200"/>
-            <a:t>：能力和潜力</a:t>
-          </a:r>
-          <a:endParaRPr lang="en-US" sz="3400" kern="1200"/>
         </a:p>
       </dsp:txBody>
       <dsp:txXfrm>
@@ -12784,196 +11568,6 @@
 </dgm:layoutDef>
 </file>
 
-<file path=ppt/diagrams/layout7.xml><?xml version="1.0" encoding="utf-8"?>
-<dgm:layoutDef xmlns:dgm="http://schemas.openxmlformats.org/drawingml/2006/diagram" xmlns:a="http://schemas.openxmlformats.org/drawingml/2006/main" uniqueId="urn:microsoft.com/office/officeart/2018/2/layout/IconLabelList">
-  <dgm:title val="Icon Label List"/>
-  <dgm:desc val="Use to show non-sequential or grouped chunks of information accompanied by a related visuals. Works best with icons or small pictures with short text captions."/>
-  <dgm:catLst>
-    <dgm:cat type="icon" pri="500"/>
-  </dgm:catLst>
-  <dgm:sampData useDef="1">
-    <dgm:dataModel>
-      <dgm:ptLst/>
-      <dgm:bg/>
-      <dgm:whole/>
-    </dgm:dataModel>
-  </dgm:sampData>
-  <dgm:styleData useDef="1">
-    <dgm:dataModel>
-      <dgm:ptLst/>
-      <dgm:bg/>
-      <dgm:whole/>
-    </dgm:dataModel>
-  </dgm:styleData>
-  <dgm:clrData useDef="1">
-    <dgm:dataModel>
-      <dgm:ptLst/>
-      <dgm:bg/>
-      <dgm:whole/>
-    </dgm:dataModel>
-  </dgm:clrData>
-  <dgm:layoutNode name="root">
-    <dgm:varLst>
-      <dgm:dir/>
-      <dgm:resizeHandles val="exact"/>
-    </dgm:varLst>
-    <dgm:choose name="Name0">
-      <dgm:if name="Name1" axis="self" func="var" arg="dir" op="equ" val="norm">
-        <dgm:alg type="snake">
-          <dgm:param type="grDir" val="tL"/>
-          <dgm:param type="flowDir" val="row"/>
-          <dgm:param type="contDir" val="sameDir"/>
-          <dgm:param type="off" val="ctr"/>
-          <dgm:param type="vertAlign" val="mid"/>
-          <dgm:param type="horzAlign" val="ctr"/>
-        </dgm:alg>
-      </dgm:if>
-      <dgm:else name="Name2">
-        <dgm:alg type="snake">
-          <dgm:param type="grDir" val="tR"/>
-          <dgm:param type="flowDir" val="row"/>
-          <dgm:param type="contDir" val="sameDir"/>
-          <dgm:param type="off" val="ctr"/>
-          <dgm:param type="vertAlign" val="mid"/>
-          <dgm:param type="horzAlign" val="ctr"/>
-        </dgm:alg>
-      </dgm:else>
-    </dgm:choose>
-    <dgm:shape xmlns:r="http://schemas.openxmlformats.org/officeDocument/2006/relationships" r:blip="">
-      <dgm:adjLst/>
-    </dgm:shape>
-    <dgm:presOf/>
-    <dgm:choose name="Name3">
-      <dgm:if name="Name4" axis="ch" ptType="node" func="cnt" op="lte" val="2">
-        <dgm:constrLst>
-          <dgm:constr type="h" for="ch" forName="compNode" refType="h" fact="0.4"/>
-          <dgm:constr type="w" for="ch" forName="compNode" val="120"/>
-          <dgm:constr type="w" for="ch" forName="sibTrans" refType="w" refFor="ch" refForName="compNode" fact="0.175"/>
-          <dgm:constr type="sp" refType="w" refFor="ch" refForName="compNode" op="equ" fact="0.25"/>
-          <dgm:constr type="primFontSz" for="des" ptType="node" op="equ" val="50"/>
-          <dgm:constr type="h" for="des" forName="compNode" op="equ"/>
-          <dgm:constr type="h" for="des" forName="textRect" op="equ"/>
-        </dgm:constrLst>
-      </dgm:if>
-      <dgm:if name="Name5" axis="ch" ptType="node" func="cnt" op="lte" val="4">
-        <dgm:constrLst>
-          <dgm:constr type="h" for="ch" forName="compNode" refType="h" fact="0.4"/>
-          <dgm:constr type="w" for="ch" forName="compNode" refType="w"/>
-          <dgm:constr type="w" for="ch" forName="sibTrans" refType="w" refFor="ch" refForName="compNode" fact="0.175"/>
-          <dgm:constr type="sp" refType="w" refFor="ch" refForName="compNode" op="equ" fact="0.25"/>
-          <dgm:constr type="primFontSz" for="des" ptType="node" op="equ" val="36"/>
-          <dgm:constr type="h" for="des" forName="compNode" op="equ"/>
-          <dgm:constr type="h" for="des" forName="textRect" op="equ"/>
-        </dgm:constrLst>
-      </dgm:if>
-      <dgm:else name="Name6">
-        <dgm:constrLst>
-          <dgm:constr type="h" for="ch" forName="compNode" refType="h" fact="0.4"/>
-          <dgm:constr type="w" for="ch" forName="compNode" refType="w"/>
-          <dgm:constr type="w" for="ch" forName="sibTrans" refType="w" refFor="ch" refForName="compNode" fact="0.175"/>
-          <dgm:constr type="sp" refType="w" refFor="ch" refForName="compNode" op="equ" fact="0.25"/>
-          <dgm:constr type="primFontSz" for="des" ptType="node" op="equ" val="24"/>
-          <dgm:constr type="h" for="des" forName="compNode" op="equ"/>
-          <dgm:constr type="h" for="des" forName="textRect" op="equ"/>
-        </dgm:constrLst>
-      </dgm:else>
-    </dgm:choose>
-    <dgm:ruleLst>
-      <dgm:rule type="w" for="ch" forName="compNode" val="50" fact="NaN" max="NaN"/>
-    </dgm:ruleLst>
-    <dgm:forEach name="Name7" axis="ch" ptType="node">
-      <dgm:layoutNode name="compNode">
-        <dgm:alg type="composite"/>
-        <dgm:shape xmlns:r="http://schemas.openxmlformats.org/officeDocument/2006/relationships" r:blip="">
-          <dgm:adjLst/>
-        </dgm:shape>
-        <dgm:presOf axis="self"/>
-        <dgm:constrLst>
-          <dgm:constr type="w" for="ch" forName="iconRect" refType="w" fact="0.45"/>
-          <dgm:constr type="h" for="ch" forName="iconRect" refType="w" refFor="ch" refForName="iconRect"/>
-          <dgm:constr type="ctrX" for="ch" forName="iconRect" refType="w" fact="0.5"/>
-          <dgm:constr type="t" for="ch" forName="iconRect"/>
-          <dgm:constr type="h" for="ch" forName="spaceRect" refType="h" fact="0.15"/>
-          <dgm:constr type="w" for="ch" forName="spaceRect" refType="w"/>
-          <dgm:constr type="l" for="ch" forName="spaceRect"/>
-          <dgm:constr type="t" for="ch" forName="spaceRect" refType="b" refFor="ch" refForName="iconRect"/>
-          <dgm:constr type="h" for="ch" forName="textRect" val="20"/>
-          <dgm:constr type="w" for="ch" forName="textRect" refType="w"/>
-          <dgm:constr type="l" for="ch" forName="textRect"/>
-          <dgm:constr type="t" for="ch" forName="textRect" refType="b" refFor="ch" refForName="spaceRect"/>
-        </dgm:constrLst>
-        <dgm:ruleLst>
-          <dgm:rule type="h" val="INF" fact="NaN" max="NaN"/>
-        </dgm:ruleLst>
-        <dgm:layoutNode name="iconRect" styleLbl="node1">
-          <dgm:alg type="sp"/>
-          <dgm:shape xmlns:r="http://schemas.openxmlformats.org/officeDocument/2006/relationships" type="rect" r:blip="" blipPhldr="1">
-            <dgm:adjLst/>
-          </dgm:shape>
-          <dgm:presOf/>
-          <dgm:constrLst/>
-          <dgm:ruleLst/>
-        </dgm:layoutNode>
-        <dgm:layoutNode name="spaceRect">
-          <dgm:alg type="sp"/>
-          <dgm:shape xmlns:r="http://schemas.openxmlformats.org/officeDocument/2006/relationships" r:blip="">
-            <dgm:adjLst/>
-          </dgm:shape>
-          <dgm:presOf/>
-          <dgm:constrLst/>
-          <dgm:ruleLst/>
-        </dgm:layoutNode>
-        <dgm:layoutNode name="textRect" styleLbl="revTx">
-          <dgm:varLst>
-            <dgm:chMax val="1"/>
-            <dgm:chPref val="1"/>
-          </dgm:varLst>
-          <dgm:alg type="tx">
-            <dgm:param type="txAnchorVert" val="t"/>
-          </dgm:alg>
-          <dgm:shape xmlns:r="http://schemas.openxmlformats.org/officeDocument/2006/relationships" type="rect" r:blip="">
-            <dgm:adjLst/>
-          </dgm:shape>
-          <dgm:presOf axis="self" ptType="node"/>
-          <dgm:constrLst>
-            <dgm:constr type="lMarg"/>
-            <dgm:constr type="rMarg"/>
-            <dgm:constr type="tMarg"/>
-            <dgm:constr type="bMarg"/>
-          </dgm:constrLst>
-          <dgm:ruleLst>
-            <dgm:rule type="primFontSz" val="11" fact="NaN" max="NaN"/>
-            <dgm:rule type="h" val="INF" fact="NaN" max="NaN"/>
-          </dgm:ruleLst>
-        </dgm:layoutNode>
-      </dgm:layoutNode>
-      <dgm:forEach name="Name8" axis="followSib" ptType="sibTrans" cnt="1">
-        <dgm:layoutNode name="sibTrans">
-          <dgm:alg type="sp"/>
-          <dgm:shape xmlns:r="http://schemas.openxmlformats.org/officeDocument/2006/relationships" r:blip="">
-            <dgm:adjLst/>
-          </dgm:shape>
-          <dgm:presOf axis="self"/>
-          <dgm:constrLst/>
-          <dgm:ruleLst/>
-        </dgm:layoutNode>
-      </dgm:forEach>
-    </dgm:forEach>
-  </dgm:layoutNode>
-  <dgm:extLst>
-    <a:ext uri="{68A01E43-0DF5-4B5B-8FA6-DAF915123BFB}">
-      <dgm1612:lstStyle xmlns:dgm1612="http://schemas.microsoft.com/office/drawing/2016/12/diagram">
-        <a:lvl1pPr>
-          <a:lnSpc>
-            <a:spcPct val="100000"/>
-          </a:lnSpc>
-        </a:lvl1pPr>
-      </dgm1612:lstStyle>
-    </a:ext>
-  </dgm:extLst>
-</dgm:layoutDef>
-</file>
-
 <file path=ppt/diagrams/quickStyle1.xml><?xml version="1.0" encoding="utf-8"?>
 <dgm:styleDef xmlns:dgm="http://schemas.openxmlformats.org/drawingml/2006/diagram" xmlns:a="http://schemas.openxmlformats.org/drawingml/2006/main" uniqueId="urn:microsoft.com/office/officeart/2005/8/quickstyle/simple1">
   <dgm:title val=""/>
@@ -18145,1040 +16739,6 @@
 </file>
 
 <file path=ppt/diagrams/quickStyle6.xml><?xml version="1.0" encoding="utf-8"?>
-<dgm:styleDef xmlns:dgm="http://schemas.openxmlformats.org/drawingml/2006/diagram" xmlns:a="http://schemas.openxmlformats.org/drawingml/2006/main" uniqueId="urn:microsoft.com/office/officeart/2005/8/quickstyle/simple1">
-  <dgm:title val=""/>
-  <dgm:desc val=""/>
-  <dgm:catLst>
-    <dgm:cat type="simple" pri="10100"/>
-  </dgm:catLst>
-  <dgm:scene3d>
-    <a:camera prst="orthographicFront"/>
-    <a:lightRig rig="threePt" dir="t"/>
-  </dgm:scene3d>
-  <dgm:styleLbl name="node0">
-    <dgm:scene3d>
-      <a:camera prst="orthographicFront"/>
-      <a:lightRig rig="threePt" dir="t"/>
-    </dgm:scene3d>
-    <dgm:sp3d/>
-    <dgm:txPr/>
-    <dgm:style>
-      <a:lnRef idx="2">
-        <a:scrgbClr r="0" g="0" b="0"/>
-      </a:lnRef>
-      <a:fillRef idx="1">
-        <a:scrgbClr r="0" g="0" b="0"/>
-      </a:fillRef>
-      <a:effectRef idx="0">
-        <a:scrgbClr r="0" g="0" b="0"/>
-      </a:effectRef>
-      <a:fontRef idx="minor">
-        <a:schemeClr val="lt1"/>
-      </a:fontRef>
-    </dgm:style>
-  </dgm:styleLbl>
-  <dgm:styleLbl name="lnNode1">
-    <dgm:scene3d>
-      <a:camera prst="orthographicFront"/>
-      <a:lightRig rig="threePt" dir="t"/>
-    </dgm:scene3d>
-    <dgm:sp3d/>
-    <dgm:txPr/>
-    <dgm:style>
-      <a:lnRef idx="2">
-        <a:scrgbClr r="0" g="0" b="0"/>
-      </a:lnRef>
-      <a:fillRef idx="1">
-        <a:scrgbClr r="0" g="0" b="0"/>
-      </a:fillRef>
-      <a:effectRef idx="0">
-        <a:scrgbClr r="0" g="0" b="0"/>
-      </a:effectRef>
-      <a:fontRef idx="minor">
-        <a:schemeClr val="lt1"/>
-      </a:fontRef>
-    </dgm:style>
-  </dgm:styleLbl>
-  <dgm:styleLbl name="vennNode1">
-    <dgm:scene3d>
-      <a:camera prst="orthographicFront"/>
-      <a:lightRig rig="threePt" dir="t"/>
-    </dgm:scene3d>
-    <dgm:sp3d/>
-    <dgm:txPr/>
-    <dgm:style>
-      <a:lnRef idx="2">
-        <a:scrgbClr r="0" g="0" b="0"/>
-      </a:lnRef>
-      <a:fillRef idx="1">
-        <a:scrgbClr r="0" g="0" b="0"/>
-      </a:fillRef>
-      <a:effectRef idx="0">
-        <a:scrgbClr r="0" g="0" b="0"/>
-      </a:effectRef>
-      <a:fontRef idx="minor">
-        <a:schemeClr val="tx1"/>
-      </a:fontRef>
-    </dgm:style>
-  </dgm:styleLbl>
-  <dgm:styleLbl name="alignNode1">
-    <dgm:scene3d>
-      <a:camera prst="orthographicFront"/>
-      <a:lightRig rig="threePt" dir="t"/>
-    </dgm:scene3d>
-    <dgm:sp3d/>
-    <dgm:txPr/>
-    <dgm:style>
-      <a:lnRef idx="2">
-        <a:scrgbClr r="0" g="0" b="0"/>
-      </a:lnRef>
-      <a:fillRef idx="1">
-        <a:scrgbClr r="0" g="0" b="0"/>
-      </a:fillRef>
-      <a:effectRef idx="0">
-        <a:scrgbClr r="0" g="0" b="0"/>
-      </a:effectRef>
-      <a:fontRef idx="minor">
-        <a:schemeClr val="lt1"/>
-      </a:fontRef>
-    </dgm:style>
-  </dgm:styleLbl>
-  <dgm:styleLbl name="node1">
-    <dgm:scene3d>
-      <a:camera prst="orthographicFront"/>
-      <a:lightRig rig="threePt" dir="t"/>
-    </dgm:scene3d>
-    <dgm:sp3d/>
-    <dgm:txPr/>
-    <dgm:style>
-      <a:lnRef idx="2">
-        <a:scrgbClr r="0" g="0" b="0"/>
-      </a:lnRef>
-      <a:fillRef idx="1">
-        <a:scrgbClr r="0" g="0" b="0"/>
-      </a:fillRef>
-      <a:effectRef idx="0">
-        <a:scrgbClr r="0" g="0" b="0"/>
-      </a:effectRef>
-      <a:fontRef idx="minor">
-        <a:schemeClr val="lt1"/>
-      </a:fontRef>
-    </dgm:style>
-  </dgm:styleLbl>
-  <dgm:styleLbl name="node2">
-    <dgm:scene3d>
-      <a:camera prst="orthographicFront"/>
-      <a:lightRig rig="threePt" dir="t"/>
-    </dgm:scene3d>
-    <dgm:sp3d/>
-    <dgm:txPr/>
-    <dgm:style>
-      <a:lnRef idx="2">
-        <a:scrgbClr r="0" g="0" b="0"/>
-      </a:lnRef>
-      <a:fillRef idx="1">
-        <a:scrgbClr r="0" g="0" b="0"/>
-      </a:fillRef>
-      <a:effectRef idx="0">
-        <a:scrgbClr r="0" g="0" b="0"/>
-      </a:effectRef>
-      <a:fontRef idx="minor">
-        <a:schemeClr val="lt1"/>
-      </a:fontRef>
-    </dgm:style>
-  </dgm:styleLbl>
-  <dgm:styleLbl name="node3">
-    <dgm:scene3d>
-      <a:camera prst="orthographicFront"/>
-      <a:lightRig rig="threePt" dir="t"/>
-    </dgm:scene3d>
-    <dgm:sp3d/>
-    <dgm:txPr/>
-    <dgm:style>
-      <a:lnRef idx="2">
-        <a:scrgbClr r="0" g="0" b="0"/>
-      </a:lnRef>
-      <a:fillRef idx="1">
-        <a:scrgbClr r="0" g="0" b="0"/>
-      </a:fillRef>
-      <a:effectRef idx="0">
-        <a:scrgbClr r="0" g="0" b="0"/>
-      </a:effectRef>
-      <a:fontRef idx="minor">
-        <a:schemeClr val="lt1"/>
-      </a:fontRef>
-    </dgm:style>
-  </dgm:styleLbl>
-  <dgm:styleLbl name="node4">
-    <dgm:scene3d>
-      <a:camera prst="orthographicFront"/>
-      <a:lightRig rig="threePt" dir="t"/>
-    </dgm:scene3d>
-    <dgm:sp3d/>
-    <dgm:txPr/>
-    <dgm:style>
-      <a:lnRef idx="2">
-        <a:scrgbClr r="0" g="0" b="0"/>
-      </a:lnRef>
-      <a:fillRef idx="1">
-        <a:scrgbClr r="0" g="0" b="0"/>
-      </a:fillRef>
-      <a:effectRef idx="0">
-        <a:scrgbClr r="0" g="0" b="0"/>
-      </a:effectRef>
-      <a:fontRef idx="minor">
-        <a:schemeClr val="lt1"/>
-      </a:fontRef>
-    </dgm:style>
-  </dgm:styleLbl>
-  <dgm:styleLbl name="fgImgPlace1">
-    <dgm:scene3d>
-      <a:camera prst="orthographicFront"/>
-      <a:lightRig rig="threePt" dir="t"/>
-    </dgm:scene3d>
-    <dgm:sp3d/>
-    <dgm:txPr/>
-    <dgm:style>
-      <a:lnRef idx="2">
-        <a:scrgbClr r="0" g="0" b="0"/>
-      </a:lnRef>
-      <a:fillRef idx="1">
-        <a:scrgbClr r="0" g="0" b="0"/>
-      </a:fillRef>
-      <a:effectRef idx="0">
-        <a:scrgbClr r="0" g="0" b="0"/>
-      </a:effectRef>
-      <a:fontRef idx="minor"/>
-    </dgm:style>
-  </dgm:styleLbl>
-  <dgm:styleLbl name="alignImgPlace1">
-    <dgm:scene3d>
-      <a:camera prst="orthographicFront"/>
-      <a:lightRig rig="threePt" dir="t"/>
-    </dgm:scene3d>
-    <dgm:sp3d/>
-    <dgm:txPr/>
-    <dgm:style>
-      <a:lnRef idx="2">
-        <a:scrgbClr r="0" g="0" b="0"/>
-      </a:lnRef>
-      <a:fillRef idx="1">
-        <a:scrgbClr r="0" g="0" b="0"/>
-      </a:fillRef>
-      <a:effectRef idx="0">
-        <a:scrgbClr r="0" g="0" b="0"/>
-      </a:effectRef>
-      <a:fontRef idx="minor"/>
-    </dgm:style>
-  </dgm:styleLbl>
-  <dgm:styleLbl name="bgImgPlace1">
-    <dgm:scene3d>
-      <a:camera prst="orthographicFront"/>
-      <a:lightRig rig="threePt" dir="t"/>
-    </dgm:scene3d>
-    <dgm:sp3d/>
-    <dgm:txPr/>
-    <dgm:style>
-      <a:lnRef idx="2">
-        <a:scrgbClr r="0" g="0" b="0"/>
-      </a:lnRef>
-      <a:fillRef idx="1">
-        <a:scrgbClr r="0" g="0" b="0"/>
-      </a:fillRef>
-      <a:effectRef idx="0">
-        <a:scrgbClr r="0" g="0" b="0"/>
-      </a:effectRef>
-      <a:fontRef idx="minor"/>
-    </dgm:style>
-  </dgm:styleLbl>
-  <dgm:styleLbl name="sibTrans2D1">
-    <dgm:scene3d>
-      <a:camera prst="orthographicFront"/>
-      <a:lightRig rig="threePt" dir="t"/>
-    </dgm:scene3d>
-    <dgm:sp3d/>
-    <dgm:txPr/>
-    <dgm:style>
-      <a:lnRef idx="0">
-        <a:scrgbClr r="0" g="0" b="0"/>
-      </a:lnRef>
-      <a:fillRef idx="1">
-        <a:scrgbClr r="0" g="0" b="0"/>
-      </a:fillRef>
-      <a:effectRef idx="0">
-        <a:scrgbClr r="0" g="0" b="0"/>
-      </a:effectRef>
-      <a:fontRef idx="minor">
-        <a:schemeClr val="lt1"/>
-      </a:fontRef>
-    </dgm:style>
-  </dgm:styleLbl>
-  <dgm:styleLbl name="fgSibTrans2D1">
-    <dgm:scene3d>
-      <a:camera prst="orthographicFront"/>
-      <a:lightRig rig="threePt" dir="t"/>
-    </dgm:scene3d>
-    <dgm:sp3d/>
-    <dgm:txPr/>
-    <dgm:style>
-      <a:lnRef idx="0">
-        <a:scrgbClr r="0" g="0" b="0"/>
-      </a:lnRef>
-      <a:fillRef idx="1">
-        <a:scrgbClr r="0" g="0" b="0"/>
-      </a:fillRef>
-      <a:effectRef idx="0">
-        <a:scrgbClr r="0" g="0" b="0"/>
-      </a:effectRef>
-      <a:fontRef idx="minor">
-        <a:schemeClr val="lt1"/>
-      </a:fontRef>
-    </dgm:style>
-  </dgm:styleLbl>
-  <dgm:styleLbl name="bgSibTrans2D1">
-    <dgm:scene3d>
-      <a:camera prst="orthographicFront"/>
-      <a:lightRig rig="threePt" dir="t"/>
-    </dgm:scene3d>
-    <dgm:sp3d/>
-    <dgm:txPr/>
-    <dgm:style>
-      <a:lnRef idx="0">
-        <a:scrgbClr r="0" g="0" b="0"/>
-      </a:lnRef>
-      <a:fillRef idx="1">
-        <a:scrgbClr r="0" g="0" b="0"/>
-      </a:fillRef>
-      <a:effectRef idx="0">
-        <a:scrgbClr r="0" g="0" b="0"/>
-      </a:effectRef>
-      <a:fontRef idx="minor">
-        <a:schemeClr val="lt1"/>
-      </a:fontRef>
-    </dgm:style>
-  </dgm:styleLbl>
-  <dgm:styleLbl name="sibTrans1D1">
-    <dgm:scene3d>
-      <a:camera prst="orthographicFront"/>
-      <a:lightRig rig="threePt" dir="t"/>
-    </dgm:scene3d>
-    <dgm:sp3d/>
-    <dgm:txPr/>
-    <dgm:style>
-      <a:lnRef idx="1">
-        <a:scrgbClr r="0" g="0" b="0"/>
-      </a:lnRef>
-      <a:fillRef idx="0">
-        <a:scrgbClr r="0" g="0" b="0"/>
-      </a:fillRef>
-      <a:effectRef idx="0">
-        <a:scrgbClr r="0" g="0" b="0"/>
-      </a:effectRef>
-      <a:fontRef idx="minor"/>
-    </dgm:style>
-  </dgm:styleLbl>
-  <dgm:styleLbl name="callout">
-    <dgm:scene3d>
-      <a:camera prst="orthographicFront"/>
-      <a:lightRig rig="threePt" dir="t"/>
-    </dgm:scene3d>
-    <dgm:sp3d/>
-    <dgm:txPr/>
-    <dgm:style>
-      <a:lnRef idx="2">
-        <a:scrgbClr r="0" g="0" b="0"/>
-      </a:lnRef>
-      <a:fillRef idx="1">
-        <a:scrgbClr r="0" g="0" b="0"/>
-      </a:fillRef>
-      <a:effectRef idx="0">
-        <a:scrgbClr r="0" g="0" b="0"/>
-      </a:effectRef>
-      <a:fontRef idx="minor"/>
-    </dgm:style>
-  </dgm:styleLbl>
-  <dgm:styleLbl name="asst0">
-    <dgm:scene3d>
-      <a:camera prst="orthographicFront"/>
-      <a:lightRig rig="threePt" dir="t"/>
-    </dgm:scene3d>
-    <dgm:sp3d/>
-    <dgm:txPr/>
-    <dgm:style>
-      <a:lnRef idx="2">
-        <a:scrgbClr r="0" g="0" b="0"/>
-      </a:lnRef>
-      <a:fillRef idx="1">
-        <a:scrgbClr r="0" g="0" b="0"/>
-      </a:fillRef>
-      <a:effectRef idx="0">
-        <a:scrgbClr r="0" g="0" b="0"/>
-      </a:effectRef>
-      <a:fontRef idx="minor">
-        <a:schemeClr val="lt1"/>
-      </a:fontRef>
-    </dgm:style>
-  </dgm:styleLbl>
-  <dgm:styleLbl name="asst1">
-    <dgm:scene3d>
-      <a:camera prst="orthographicFront"/>
-      <a:lightRig rig="threePt" dir="t"/>
-    </dgm:scene3d>
-    <dgm:sp3d/>
-    <dgm:txPr/>
-    <dgm:style>
-      <a:lnRef idx="2">
-        <a:scrgbClr r="0" g="0" b="0"/>
-      </a:lnRef>
-      <a:fillRef idx="1">
-        <a:scrgbClr r="0" g="0" b="0"/>
-      </a:fillRef>
-      <a:effectRef idx="0">
-        <a:scrgbClr r="0" g="0" b="0"/>
-      </a:effectRef>
-      <a:fontRef idx="minor">
-        <a:schemeClr val="lt1"/>
-      </a:fontRef>
-    </dgm:style>
-  </dgm:styleLbl>
-  <dgm:styleLbl name="asst2">
-    <dgm:scene3d>
-      <a:camera prst="orthographicFront"/>
-      <a:lightRig rig="threePt" dir="t"/>
-    </dgm:scene3d>
-    <dgm:sp3d/>
-    <dgm:txPr/>
-    <dgm:style>
-      <a:lnRef idx="2">
-        <a:scrgbClr r="0" g="0" b="0"/>
-      </a:lnRef>
-      <a:fillRef idx="1">
-        <a:scrgbClr r="0" g="0" b="0"/>
-      </a:fillRef>
-      <a:effectRef idx="0">
-        <a:scrgbClr r="0" g="0" b="0"/>
-      </a:effectRef>
-      <a:fontRef idx="minor">
-        <a:schemeClr val="lt1"/>
-      </a:fontRef>
-    </dgm:style>
-  </dgm:styleLbl>
-  <dgm:styleLbl name="asst3">
-    <dgm:scene3d>
-      <a:camera prst="orthographicFront"/>
-      <a:lightRig rig="threePt" dir="t"/>
-    </dgm:scene3d>
-    <dgm:sp3d/>
-    <dgm:txPr/>
-    <dgm:style>
-      <a:lnRef idx="2">
-        <a:scrgbClr r="0" g="0" b="0"/>
-      </a:lnRef>
-      <a:fillRef idx="1">
-        <a:scrgbClr r="0" g="0" b="0"/>
-      </a:fillRef>
-      <a:effectRef idx="0">
-        <a:scrgbClr r="0" g="0" b="0"/>
-      </a:effectRef>
-      <a:fontRef idx="minor">
-        <a:schemeClr val="lt1"/>
-      </a:fontRef>
-    </dgm:style>
-  </dgm:styleLbl>
-  <dgm:styleLbl name="asst4">
-    <dgm:scene3d>
-      <a:camera prst="orthographicFront"/>
-      <a:lightRig rig="threePt" dir="t"/>
-    </dgm:scene3d>
-    <dgm:sp3d/>
-    <dgm:txPr/>
-    <dgm:style>
-      <a:lnRef idx="2">
-        <a:scrgbClr r="0" g="0" b="0"/>
-      </a:lnRef>
-      <a:fillRef idx="1">
-        <a:scrgbClr r="0" g="0" b="0"/>
-      </a:fillRef>
-      <a:effectRef idx="0">
-        <a:scrgbClr r="0" g="0" b="0"/>
-      </a:effectRef>
-      <a:fontRef idx="minor">
-        <a:schemeClr val="lt1"/>
-      </a:fontRef>
-    </dgm:style>
-  </dgm:styleLbl>
-  <dgm:styleLbl name="parChTrans2D1">
-    <dgm:scene3d>
-      <a:camera prst="orthographicFront"/>
-      <a:lightRig rig="threePt" dir="t"/>
-    </dgm:scene3d>
-    <dgm:sp3d/>
-    <dgm:txPr/>
-    <dgm:style>
-      <a:lnRef idx="2">
-        <a:scrgbClr r="0" g="0" b="0"/>
-      </a:lnRef>
-      <a:fillRef idx="1">
-        <a:scrgbClr r="0" g="0" b="0"/>
-      </a:fillRef>
-      <a:effectRef idx="0">
-        <a:scrgbClr r="0" g="0" b="0"/>
-      </a:effectRef>
-      <a:fontRef idx="minor">
-        <a:schemeClr val="lt1"/>
-      </a:fontRef>
-    </dgm:style>
-  </dgm:styleLbl>
-  <dgm:styleLbl name="parChTrans2D2">
-    <dgm:scene3d>
-      <a:camera prst="orthographicFront"/>
-      <a:lightRig rig="threePt" dir="t"/>
-    </dgm:scene3d>
-    <dgm:sp3d/>
-    <dgm:txPr/>
-    <dgm:style>
-      <a:lnRef idx="2">
-        <a:scrgbClr r="0" g="0" b="0"/>
-      </a:lnRef>
-      <a:fillRef idx="1">
-        <a:scrgbClr r="0" g="0" b="0"/>
-      </a:fillRef>
-      <a:effectRef idx="0">
-        <a:scrgbClr r="0" g="0" b="0"/>
-      </a:effectRef>
-      <a:fontRef idx="minor">
-        <a:schemeClr val="lt1"/>
-      </a:fontRef>
-    </dgm:style>
-  </dgm:styleLbl>
-  <dgm:styleLbl name="parChTrans2D3">
-    <dgm:scene3d>
-      <a:camera prst="orthographicFront"/>
-      <a:lightRig rig="threePt" dir="t"/>
-    </dgm:scene3d>
-    <dgm:sp3d/>
-    <dgm:txPr/>
-    <dgm:style>
-      <a:lnRef idx="2">
-        <a:scrgbClr r="0" g="0" b="0"/>
-      </a:lnRef>
-      <a:fillRef idx="1">
-        <a:scrgbClr r="0" g="0" b="0"/>
-      </a:fillRef>
-      <a:effectRef idx="0">
-        <a:scrgbClr r="0" g="0" b="0"/>
-      </a:effectRef>
-      <a:fontRef idx="minor">
-        <a:schemeClr val="lt1"/>
-      </a:fontRef>
-    </dgm:style>
-  </dgm:styleLbl>
-  <dgm:styleLbl name="parChTrans2D4">
-    <dgm:scene3d>
-      <a:camera prst="orthographicFront"/>
-      <a:lightRig rig="threePt" dir="t"/>
-    </dgm:scene3d>
-    <dgm:sp3d/>
-    <dgm:txPr/>
-    <dgm:style>
-      <a:lnRef idx="2">
-        <a:scrgbClr r="0" g="0" b="0"/>
-      </a:lnRef>
-      <a:fillRef idx="1">
-        <a:scrgbClr r="0" g="0" b="0"/>
-      </a:fillRef>
-      <a:effectRef idx="0">
-        <a:scrgbClr r="0" g="0" b="0"/>
-      </a:effectRef>
-      <a:fontRef idx="minor">
-        <a:schemeClr val="lt1"/>
-      </a:fontRef>
-    </dgm:style>
-  </dgm:styleLbl>
-  <dgm:styleLbl name="parChTrans1D1">
-    <dgm:scene3d>
-      <a:camera prst="orthographicFront"/>
-      <a:lightRig rig="threePt" dir="t"/>
-    </dgm:scene3d>
-    <dgm:sp3d/>
-    <dgm:txPr/>
-    <dgm:style>
-      <a:lnRef idx="2">
-        <a:scrgbClr r="0" g="0" b="0"/>
-      </a:lnRef>
-      <a:fillRef idx="0">
-        <a:scrgbClr r="0" g="0" b="0"/>
-      </a:fillRef>
-      <a:effectRef idx="0">
-        <a:scrgbClr r="0" g="0" b="0"/>
-      </a:effectRef>
-      <a:fontRef idx="minor"/>
-    </dgm:style>
-  </dgm:styleLbl>
-  <dgm:styleLbl name="parChTrans1D2">
-    <dgm:scene3d>
-      <a:camera prst="orthographicFront"/>
-      <a:lightRig rig="threePt" dir="t"/>
-    </dgm:scene3d>
-    <dgm:sp3d/>
-    <dgm:txPr/>
-    <dgm:style>
-      <a:lnRef idx="2">
-        <a:scrgbClr r="0" g="0" b="0"/>
-      </a:lnRef>
-      <a:fillRef idx="0">
-        <a:scrgbClr r="0" g="0" b="0"/>
-      </a:fillRef>
-      <a:effectRef idx="0">
-        <a:scrgbClr r="0" g="0" b="0"/>
-      </a:effectRef>
-      <a:fontRef idx="minor"/>
-    </dgm:style>
-  </dgm:styleLbl>
-  <dgm:styleLbl name="parChTrans1D3">
-    <dgm:scene3d>
-      <a:camera prst="orthographicFront"/>
-      <a:lightRig rig="threePt" dir="t"/>
-    </dgm:scene3d>
-    <dgm:sp3d/>
-    <dgm:txPr/>
-    <dgm:style>
-      <a:lnRef idx="2">
-        <a:scrgbClr r="0" g="0" b="0"/>
-      </a:lnRef>
-      <a:fillRef idx="0">
-        <a:scrgbClr r="0" g="0" b="0"/>
-      </a:fillRef>
-      <a:effectRef idx="0">
-        <a:scrgbClr r="0" g="0" b="0"/>
-      </a:effectRef>
-      <a:fontRef idx="minor"/>
-    </dgm:style>
-  </dgm:styleLbl>
-  <dgm:styleLbl name="parChTrans1D4">
-    <dgm:scene3d>
-      <a:camera prst="orthographicFront"/>
-      <a:lightRig rig="threePt" dir="t"/>
-    </dgm:scene3d>
-    <dgm:sp3d/>
-    <dgm:txPr/>
-    <dgm:style>
-      <a:lnRef idx="2">
-        <a:scrgbClr r="0" g="0" b="0"/>
-      </a:lnRef>
-      <a:fillRef idx="0">
-        <a:scrgbClr r="0" g="0" b="0"/>
-      </a:fillRef>
-      <a:effectRef idx="0">
-        <a:scrgbClr r="0" g="0" b="0"/>
-      </a:effectRef>
-      <a:fontRef idx="minor"/>
-    </dgm:style>
-  </dgm:styleLbl>
-  <dgm:styleLbl name="fgAcc1">
-    <dgm:scene3d>
-      <a:camera prst="orthographicFront"/>
-      <a:lightRig rig="threePt" dir="t"/>
-    </dgm:scene3d>
-    <dgm:sp3d/>
-    <dgm:txPr/>
-    <dgm:style>
-      <a:lnRef idx="2">
-        <a:scrgbClr r="0" g="0" b="0"/>
-      </a:lnRef>
-      <a:fillRef idx="1">
-        <a:scrgbClr r="0" g="0" b="0"/>
-      </a:fillRef>
-      <a:effectRef idx="0">
-        <a:scrgbClr r="0" g="0" b="0"/>
-      </a:effectRef>
-      <a:fontRef idx="minor"/>
-    </dgm:style>
-  </dgm:styleLbl>
-  <dgm:styleLbl name="conFgAcc1">
-    <dgm:scene3d>
-      <a:camera prst="orthographicFront"/>
-      <a:lightRig rig="threePt" dir="t"/>
-    </dgm:scene3d>
-    <dgm:sp3d/>
-    <dgm:txPr/>
-    <dgm:style>
-      <a:lnRef idx="2">
-        <a:scrgbClr r="0" g="0" b="0"/>
-      </a:lnRef>
-      <a:fillRef idx="1">
-        <a:scrgbClr r="0" g="0" b="0"/>
-      </a:fillRef>
-      <a:effectRef idx="0">
-        <a:scrgbClr r="0" g="0" b="0"/>
-      </a:effectRef>
-      <a:fontRef idx="minor"/>
-    </dgm:style>
-  </dgm:styleLbl>
-  <dgm:styleLbl name="alignAcc1">
-    <dgm:scene3d>
-      <a:camera prst="orthographicFront"/>
-      <a:lightRig rig="threePt" dir="t"/>
-    </dgm:scene3d>
-    <dgm:sp3d/>
-    <dgm:txPr/>
-    <dgm:style>
-      <a:lnRef idx="2">
-        <a:scrgbClr r="0" g="0" b="0"/>
-      </a:lnRef>
-      <a:fillRef idx="1">
-        <a:scrgbClr r="0" g="0" b="0"/>
-      </a:fillRef>
-      <a:effectRef idx="0">
-        <a:scrgbClr r="0" g="0" b="0"/>
-      </a:effectRef>
-      <a:fontRef idx="minor"/>
-    </dgm:style>
-  </dgm:styleLbl>
-  <dgm:styleLbl name="trAlignAcc1">
-    <dgm:scene3d>
-      <a:camera prst="orthographicFront"/>
-      <a:lightRig rig="threePt" dir="t"/>
-    </dgm:scene3d>
-    <dgm:sp3d/>
-    <dgm:txPr/>
-    <dgm:style>
-      <a:lnRef idx="1">
-        <a:scrgbClr r="0" g="0" b="0"/>
-      </a:lnRef>
-      <a:fillRef idx="1">
-        <a:scrgbClr r="0" g="0" b="0"/>
-      </a:fillRef>
-      <a:effectRef idx="0">
-        <a:scrgbClr r="0" g="0" b="0"/>
-      </a:effectRef>
-      <a:fontRef idx="minor"/>
-    </dgm:style>
-  </dgm:styleLbl>
-  <dgm:styleLbl name="bgAcc1">
-    <dgm:scene3d>
-      <a:camera prst="orthographicFront"/>
-      <a:lightRig rig="threePt" dir="t"/>
-    </dgm:scene3d>
-    <dgm:sp3d/>
-    <dgm:txPr/>
-    <dgm:style>
-      <a:lnRef idx="2">
-        <a:scrgbClr r="0" g="0" b="0"/>
-      </a:lnRef>
-      <a:fillRef idx="1">
-        <a:scrgbClr r="0" g="0" b="0"/>
-      </a:fillRef>
-      <a:effectRef idx="0">
-        <a:scrgbClr r="0" g="0" b="0"/>
-      </a:effectRef>
-      <a:fontRef idx="minor"/>
-    </dgm:style>
-  </dgm:styleLbl>
-  <dgm:styleLbl name="solidFgAcc1">
-    <dgm:scene3d>
-      <a:camera prst="orthographicFront"/>
-      <a:lightRig rig="threePt" dir="t"/>
-    </dgm:scene3d>
-    <dgm:sp3d/>
-    <dgm:txPr/>
-    <dgm:style>
-      <a:lnRef idx="2">
-        <a:scrgbClr r="0" g="0" b="0"/>
-      </a:lnRef>
-      <a:fillRef idx="1">
-        <a:scrgbClr r="0" g="0" b="0"/>
-      </a:fillRef>
-      <a:effectRef idx="0">
-        <a:scrgbClr r="0" g="0" b="0"/>
-      </a:effectRef>
-      <a:fontRef idx="minor"/>
-    </dgm:style>
-  </dgm:styleLbl>
-  <dgm:styleLbl name="solidAlignAcc1">
-    <dgm:scene3d>
-      <a:camera prst="orthographicFront"/>
-      <a:lightRig rig="threePt" dir="t"/>
-    </dgm:scene3d>
-    <dgm:sp3d/>
-    <dgm:txPr/>
-    <dgm:style>
-      <a:lnRef idx="2">
-        <a:scrgbClr r="0" g="0" b="0"/>
-      </a:lnRef>
-      <a:fillRef idx="1">
-        <a:scrgbClr r="0" g="0" b="0"/>
-      </a:fillRef>
-      <a:effectRef idx="0">
-        <a:scrgbClr r="0" g="0" b="0"/>
-      </a:effectRef>
-      <a:fontRef idx="minor"/>
-    </dgm:style>
-  </dgm:styleLbl>
-  <dgm:styleLbl name="solidBgAcc1">
-    <dgm:scene3d>
-      <a:camera prst="orthographicFront"/>
-      <a:lightRig rig="threePt" dir="t"/>
-    </dgm:scene3d>
-    <dgm:sp3d/>
-    <dgm:txPr/>
-    <dgm:style>
-      <a:lnRef idx="2">
-        <a:scrgbClr r="0" g="0" b="0"/>
-      </a:lnRef>
-      <a:fillRef idx="1">
-        <a:scrgbClr r="0" g="0" b="0"/>
-      </a:fillRef>
-      <a:effectRef idx="0">
-        <a:scrgbClr r="0" g="0" b="0"/>
-      </a:effectRef>
-      <a:fontRef idx="minor"/>
-    </dgm:style>
-  </dgm:styleLbl>
-  <dgm:styleLbl name="fgAccFollowNode1">
-    <dgm:scene3d>
-      <a:camera prst="orthographicFront"/>
-      <a:lightRig rig="threePt" dir="t"/>
-    </dgm:scene3d>
-    <dgm:sp3d/>
-    <dgm:txPr/>
-    <dgm:style>
-      <a:lnRef idx="2">
-        <a:scrgbClr r="0" g="0" b="0"/>
-      </a:lnRef>
-      <a:fillRef idx="1">
-        <a:scrgbClr r="0" g="0" b="0"/>
-      </a:fillRef>
-      <a:effectRef idx="0">
-        <a:scrgbClr r="0" g="0" b="0"/>
-      </a:effectRef>
-      <a:fontRef idx="minor"/>
-    </dgm:style>
-  </dgm:styleLbl>
-  <dgm:styleLbl name="alignAccFollowNode1">
-    <dgm:scene3d>
-      <a:camera prst="orthographicFront"/>
-      <a:lightRig rig="threePt" dir="t"/>
-    </dgm:scene3d>
-    <dgm:sp3d/>
-    <dgm:txPr/>
-    <dgm:style>
-      <a:lnRef idx="2">
-        <a:scrgbClr r="0" g="0" b="0"/>
-      </a:lnRef>
-      <a:fillRef idx="1">
-        <a:scrgbClr r="0" g="0" b="0"/>
-      </a:fillRef>
-      <a:effectRef idx="0">
-        <a:scrgbClr r="0" g="0" b="0"/>
-      </a:effectRef>
-      <a:fontRef idx="minor"/>
-    </dgm:style>
-  </dgm:styleLbl>
-  <dgm:styleLbl name="bgAccFollowNode1">
-    <dgm:scene3d>
-      <a:camera prst="orthographicFront"/>
-      <a:lightRig rig="threePt" dir="t"/>
-    </dgm:scene3d>
-    <dgm:sp3d/>
-    <dgm:txPr/>
-    <dgm:style>
-      <a:lnRef idx="2">
-        <a:scrgbClr r="0" g="0" b="0"/>
-      </a:lnRef>
-      <a:fillRef idx="1">
-        <a:scrgbClr r="0" g="0" b="0"/>
-      </a:fillRef>
-      <a:effectRef idx="0">
-        <a:scrgbClr r="0" g="0" b="0"/>
-      </a:effectRef>
-      <a:fontRef idx="minor"/>
-    </dgm:style>
-  </dgm:styleLbl>
-  <dgm:styleLbl name="fgAcc0">
-    <dgm:scene3d>
-      <a:camera prst="orthographicFront"/>
-      <a:lightRig rig="threePt" dir="t"/>
-    </dgm:scene3d>
-    <dgm:sp3d/>
-    <dgm:txPr/>
-    <dgm:style>
-      <a:lnRef idx="2">
-        <a:scrgbClr r="0" g="0" b="0"/>
-      </a:lnRef>
-      <a:fillRef idx="1">
-        <a:scrgbClr r="0" g="0" b="0"/>
-      </a:fillRef>
-      <a:effectRef idx="0">
-        <a:scrgbClr r="0" g="0" b="0"/>
-      </a:effectRef>
-      <a:fontRef idx="minor"/>
-    </dgm:style>
-  </dgm:styleLbl>
-  <dgm:styleLbl name="fgAcc2">
-    <dgm:scene3d>
-      <a:camera prst="orthographicFront"/>
-      <a:lightRig rig="threePt" dir="t"/>
-    </dgm:scene3d>
-    <dgm:sp3d/>
-    <dgm:txPr/>
-    <dgm:style>
-      <a:lnRef idx="2">
-        <a:scrgbClr r="0" g="0" b="0"/>
-      </a:lnRef>
-      <a:fillRef idx="1">
-        <a:scrgbClr r="0" g="0" b="0"/>
-      </a:fillRef>
-      <a:effectRef idx="0">
-        <a:scrgbClr r="0" g="0" b="0"/>
-      </a:effectRef>
-      <a:fontRef idx="minor"/>
-    </dgm:style>
-  </dgm:styleLbl>
-  <dgm:styleLbl name="fgAcc3">
-    <dgm:scene3d>
-      <a:camera prst="orthographicFront"/>
-      <a:lightRig rig="threePt" dir="t"/>
-    </dgm:scene3d>
-    <dgm:sp3d/>
-    <dgm:txPr/>
-    <dgm:style>
-      <a:lnRef idx="2">
-        <a:scrgbClr r="0" g="0" b="0"/>
-      </a:lnRef>
-      <a:fillRef idx="1">
-        <a:scrgbClr r="0" g="0" b="0"/>
-      </a:fillRef>
-      <a:effectRef idx="0">
-        <a:scrgbClr r="0" g="0" b="0"/>
-      </a:effectRef>
-      <a:fontRef idx="minor"/>
-    </dgm:style>
-  </dgm:styleLbl>
-  <dgm:styleLbl name="fgAcc4">
-    <dgm:scene3d>
-      <a:camera prst="orthographicFront"/>
-      <a:lightRig rig="threePt" dir="t"/>
-    </dgm:scene3d>
-    <dgm:sp3d/>
-    <dgm:txPr/>
-    <dgm:style>
-      <a:lnRef idx="2">
-        <a:scrgbClr r="0" g="0" b="0"/>
-      </a:lnRef>
-      <a:fillRef idx="1">
-        <a:scrgbClr r="0" g="0" b="0"/>
-      </a:fillRef>
-      <a:effectRef idx="0">
-        <a:scrgbClr r="0" g="0" b="0"/>
-      </a:effectRef>
-      <a:fontRef idx="minor"/>
-    </dgm:style>
-  </dgm:styleLbl>
-  <dgm:styleLbl name="bgShp">
-    <dgm:scene3d>
-      <a:camera prst="orthographicFront"/>
-      <a:lightRig rig="threePt" dir="t"/>
-    </dgm:scene3d>
-    <dgm:sp3d/>
-    <dgm:txPr/>
-    <dgm:style>
-      <a:lnRef idx="0">
-        <a:scrgbClr r="0" g="0" b="0"/>
-      </a:lnRef>
-      <a:fillRef idx="1">
-        <a:scrgbClr r="0" g="0" b="0"/>
-      </a:fillRef>
-      <a:effectRef idx="0">
-        <a:scrgbClr r="0" g="0" b="0"/>
-      </a:effectRef>
-      <a:fontRef idx="minor"/>
-    </dgm:style>
-  </dgm:styleLbl>
-  <dgm:styleLbl name="dkBgShp">
-    <dgm:scene3d>
-      <a:camera prst="orthographicFront"/>
-      <a:lightRig rig="threePt" dir="t"/>
-    </dgm:scene3d>
-    <dgm:sp3d/>
-    <dgm:txPr/>
-    <dgm:style>
-      <a:lnRef idx="0">
-        <a:scrgbClr r="0" g="0" b="0"/>
-      </a:lnRef>
-      <a:fillRef idx="1">
-        <a:scrgbClr r="0" g="0" b="0"/>
-      </a:fillRef>
-      <a:effectRef idx="0">
-        <a:scrgbClr r="0" g="0" b="0"/>
-      </a:effectRef>
-      <a:fontRef idx="minor"/>
-    </dgm:style>
-  </dgm:styleLbl>
-  <dgm:styleLbl name="trBgShp">
-    <dgm:scene3d>
-      <a:camera prst="orthographicFront"/>
-      <a:lightRig rig="threePt" dir="t"/>
-    </dgm:scene3d>
-    <dgm:sp3d/>
-    <dgm:txPr/>
-    <dgm:style>
-      <a:lnRef idx="0">
-        <a:scrgbClr r="0" g="0" b="0"/>
-      </a:lnRef>
-      <a:fillRef idx="1">
-        <a:scrgbClr r="0" g="0" b="0"/>
-      </a:fillRef>
-      <a:effectRef idx="0">
-        <a:scrgbClr r="0" g="0" b="0"/>
-      </a:effectRef>
-      <a:fontRef idx="minor"/>
-    </dgm:style>
-  </dgm:styleLbl>
-  <dgm:styleLbl name="fgShp">
-    <dgm:scene3d>
-      <a:camera prst="orthographicFront"/>
-      <a:lightRig rig="threePt" dir="t"/>
-    </dgm:scene3d>
-    <dgm:sp3d/>
-    <dgm:txPr/>
-    <dgm:style>
-      <a:lnRef idx="2">
-        <a:scrgbClr r="0" g="0" b="0"/>
-      </a:lnRef>
-      <a:fillRef idx="1">
-        <a:scrgbClr r="0" g="0" b="0"/>
-      </a:fillRef>
-      <a:effectRef idx="0">
-        <a:scrgbClr r="0" g="0" b="0"/>
-      </a:effectRef>
-      <a:fontRef idx="minor"/>
-    </dgm:style>
-  </dgm:styleLbl>
-  <dgm:styleLbl name="revTx">
-    <dgm:scene3d>
-      <a:camera prst="orthographicFront"/>
-      <a:lightRig rig="threePt" dir="t"/>
-    </dgm:scene3d>
-    <dgm:sp3d/>
-    <dgm:txPr/>
-    <dgm:style>
-      <a:lnRef idx="0">
-        <a:scrgbClr r="0" g="0" b="0"/>
-      </a:lnRef>
-      <a:fillRef idx="0">
-        <a:scrgbClr r="0" g="0" b="0"/>
-      </a:fillRef>
-      <a:effectRef idx="0">
-        <a:scrgbClr r="0" g="0" b="0"/>
-      </a:effectRef>
-      <a:fontRef idx="minor"/>
-    </dgm:style>
-  </dgm:styleLbl>
-</dgm:styleDef>
-</file>
-
-<file path=ppt/diagrams/quickStyle7.xml><?xml version="1.0" encoding="utf-8"?>
 <dgm:styleDef xmlns:dgm="http://schemas.openxmlformats.org/drawingml/2006/diagram" xmlns:a="http://schemas.openxmlformats.org/drawingml/2006/main" uniqueId="urn:microsoft.com/office/officeart/2005/8/quickstyle/simple1">
   <dgm:title val=""/>
   <dgm:desc val=""/>
@@ -20695,126 +18255,6 @@
           <a:p>
             <a:r>
               <a:rPr lang="en-CN" dirty="0"/>
-              <a:t>表格只有一半在学习上</a:t>
-            </a:r>
-            <a:r>
-              <a:rPr lang="zh-CN" altLang="en-US" dirty="0"/>
-              <a:t>。</a:t>
-            </a:r>
-            <a:endParaRPr lang="en-US" altLang="zh-CN" dirty="0"/>
-          </a:p>
-          <a:p>
-            <a:r>
-              <a:rPr lang="zh-CN" altLang="en-US" dirty="0"/>
-              <a:t>问题：专一还是渊博？</a:t>
-            </a:r>
-            <a:endParaRPr lang="en-US" altLang="zh-CN" dirty="0"/>
-          </a:p>
-          <a:p>
-            <a:r>
-              <a:rPr lang="zh-CN" altLang="en-US" dirty="0"/>
-              <a:t>来源：高考以前 专一（听话），高考以后，自由</a:t>
-            </a:r>
-            <a:endParaRPr lang="en-US" altLang="zh-CN" dirty="0"/>
-          </a:p>
-          <a:p>
-            <a:r>
-              <a:rPr lang="zh-CN" altLang="en-US" dirty="0"/>
-              <a:t>如果像小逸那么努力，那结果会很不一样。（有所取舍，抓住主要矛盾）</a:t>
-            </a:r>
-            <a:endParaRPr lang="en-US" altLang="zh-CN" dirty="0"/>
-          </a:p>
-          <a:p>
-            <a:r>
-              <a:rPr lang="zh-CN" altLang="en-US" dirty="0"/>
-              <a:t>张婷同样面临这些挑战：复读方法的难以实施，英语对沟通的困扰，考试的紧张与松懈</a:t>
-            </a:r>
-            <a:endParaRPr lang="en-CN" dirty="0"/>
-          </a:p>
-        </p:txBody>
-      </p:sp>
-      <p:sp>
-        <p:nvSpPr>
-          <p:cNvPr id="4" name="Slide Number Placeholder 3"/>
-          <p:cNvSpPr>
-            <a:spLocks noGrp="1"/>
-          </p:cNvSpPr>
-          <p:nvPr>
-            <p:ph type="sldNum" sz="quarter" idx="5"/>
-          </p:nvPr>
-        </p:nvSpPr>
-        <p:spPr/>
-        <p:txBody>
-          <a:bodyPr/>
-          <a:lstStyle/>
-          <a:p>
-            <a:fld id="{54B0D5FE-DA17-9A44-8EB7-84D7ED20A8CB}" type="slidenum">
-              <a:rPr lang="en-CN" smtClean="0"/>
-              <a:t>8</a:t>
-            </a:fld>
-            <a:endParaRPr lang="en-CN"/>
-          </a:p>
-        </p:txBody>
-      </p:sp>
-    </p:spTree>
-    <p:extLst>
-      <p:ext uri="{BB962C8B-B14F-4D97-AF65-F5344CB8AC3E}">
-        <p14:creationId xmlns:p14="http://schemas.microsoft.com/office/powerpoint/2010/main" val="2898784961"/>
-      </p:ext>
-    </p:extLst>
-  </p:cSld>
-  <p:clrMapOvr>
-    <a:masterClrMapping/>
-  </p:clrMapOvr>
-</p:notes>
-</file>
-
-<file path=ppt/notesSlides/notesSlide3.xml><?xml version="1.0" encoding="utf-8"?>
-<p:notes xmlns:a="http://schemas.openxmlformats.org/drawingml/2006/main" xmlns:r="http://schemas.openxmlformats.org/officeDocument/2006/relationships" xmlns:p="http://schemas.openxmlformats.org/presentationml/2006/main">
-  <p:cSld>
-    <p:spTree>
-      <p:nvGrpSpPr>
-        <p:cNvPr id="1" name=""/>
-        <p:cNvGrpSpPr/>
-        <p:nvPr/>
-      </p:nvGrpSpPr>
-      <p:grpSpPr>
-        <a:xfrm>
-          <a:off x="0" y="0"/>
-          <a:ext cx="0" cy="0"/>
-          <a:chOff x="0" y="0"/>
-          <a:chExt cx="0" cy="0"/>
-        </a:xfrm>
-      </p:grpSpPr>
-      <p:sp>
-        <p:nvSpPr>
-          <p:cNvPr id="2" name="Slide Image Placeholder 1"/>
-          <p:cNvSpPr>
-            <a:spLocks noGrp="1" noRot="1" noChangeAspect="1"/>
-          </p:cNvSpPr>
-          <p:nvPr>
-            <p:ph type="sldImg"/>
-          </p:nvPr>
-        </p:nvSpPr>
-        <p:spPr/>
-      </p:sp>
-      <p:sp>
-        <p:nvSpPr>
-          <p:cNvPr id="3" name="Notes Placeholder 2"/>
-          <p:cNvSpPr>
-            <a:spLocks noGrp="1"/>
-          </p:cNvSpPr>
-          <p:nvPr>
-            <p:ph type="body" idx="1"/>
-          </p:nvPr>
-        </p:nvSpPr>
-        <p:spPr/>
-        <p:txBody>
-          <a:bodyPr/>
-          <a:lstStyle/>
-          <a:p>
-            <a:r>
-              <a:rPr lang="en-CN" dirty="0"/>
               <a:t>骄傲</a:t>
             </a:r>
             <a:r>
@@ -20870,112 +18310,6 @@
     <p:extLst>
       <p:ext uri="{BB962C8B-B14F-4D97-AF65-F5344CB8AC3E}">
         <p14:creationId xmlns:p14="http://schemas.microsoft.com/office/powerpoint/2010/main" val="3401278866"/>
-      </p:ext>
-    </p:extLst>
-  </p:cSld>
-  <p:clrMapOvr>
-    <a:masterClrMapping/>
-  </p:clrMapOvr>
-</p:notes>
-</file>
-
-<file path=ppt/notesSlides/notesSlide4.xml><?xml version="1.0" encoding="utf-8"?>
-<p:notes xmlns:a="http://schemas.openxmlformats.org/drawingml/2006/main" xmlns:r="http://schemas.openxmlformats.org/officeDocument/2006/relationships" xmlns:p="http://schemas.openxmlformats.org/presentationml/2006/main">
-  <p:cSld>
-    <p:spTree>
-      <p:nvGrpSpPr>
-        <p:cNvPr id="1" name=""/>
-        <p:cNvGrpSpPr/>
-        <p:nvPr/>
-      </p:nvGrpSpPr>
-      <p:grpSpPr>
-        <a:xfrm>
-          <a:off x="0" y="0"/>
-          <a:ext cx="0" cy="0"/>
-          <a:chOff x="0" y="0"/>
-          <a:chExt cx="0" cy="0"/>
-        </a:xfrm>
-      </p:grpSpPr>
-      <p:sp>
-        <p:nvSpPr>
-          <p:cNvPr id="2" name="Slide Image Placeholder 1"/>
-          <p:cNvSpPr>
-            <a:spLocks noGrp="1" noRot="1" noChangeAspect="1"/>
-          </p:cNvSpPr>
-          <p:nvPr>
-            <p:ph type="sldImg"/>
-          </p:nvPr>
-        </p:nvSpPr>
-        <p:spPr/>
-      </p:sp>
-      <p:sp>
-        <p:nvSpPr>
-          <p:cNvPr id="3" name="Notes Placeholder 2"/>
-          <p:cNvSpPr>
-            <a:spLocks noGrp="1"/>
-          </p:cNvSpPr>
-          <p:nvPr>
-            <p:ph type="body" idx="1"/>
-          </p:nvPr>
-        </p:nvSpPr>
-        <p:spPr/>
-        <p:txBody>
-          <a:bodyPr/>
-          <a:lstStyle/>
-          <a:p>
-            <a:r>
-              <a:rPr lang="en-CN" dirty="0"/>
-              <a:t>厉害的人</a:t>
-            </a:r>
-            <a:r>
-              <a:rPr lang="zh-CN" altLang="en-US" dirty="0"/>
-              <a:t>，初中就很厉害了</a:t>
-            </a:r>
-            <a:endParaRPr lang="en-US" altLang="zh-CN" dirty="0"/>
-          </a:p>
-          <a:p>
-            <a:r>
-              <a:rPr lang="zh-CN" altLang="en-US" dirty="0"/>
-              <a:t>我觉得最重要的东西，高一就会了。但又经历了十年的探索</a:t>
-            </a:r>
-            <a:endParaRPr lang="en-US" altLang="zh-CN" dirty="0"/>
-          </a:p>
-          <a:p>
-            <a:r>
-              <a:rPr lang="zh-CN" altLang="en-US" dirty="0"/>
-              <a:t>初中有无限的潜力</a:t>
-            </a:r>
-            <a:endParaRPr lang="en-CN" dirty="0"/>
-          </a:p>
-        </p:txBody>
-      </p:sp>
-      <p:sp>
-        <p:nvSpPr>
-          <p:cNvPr id="4" name="Slide Number Placeholder 3"/>
-          <p:cNvSpPr>
-            <a:spLocks noGrp="1"/>
-          </p:cNvSpPr>
-          <p:nvPr>
-            <p:ph type="sldNum" sz="quarter" idx="5"/>
-          </p:nvPr>
-        </p:nvSpPr>
-        <p:spPr/>
-        <p:txBody>
-          <a:bodyPr/>
-          <a:lstStyle/>
-          <a:p>
-            <a:fld id="{54B0D5FE-DA17-9A44-8EB7-84D7ED20A8CB}" type="slidenum">
-              <a:rPr lang="en-CN" smtClean="0"/>
-              <a:t>11</a:t>
-            </a:fld>
-            <a:endParaRPr lang="en-CN"/>
-          </a:p>
-        </p:txBody>
-      </p:sp>
-    </p:spTree>
-    <p:extLst>
-      <p:ext uri="{BB962C8B-B14F-4D97-AF65-F5344CB8AC3E}">
-        <p14:creationId xmlns:p14="http://schemas.microsoft.com/office/powerpoint/2010/main" val="3397662560"/>
       </p:ext>
     </p:extLst>
   </p:cSld>
@@ -24932,279 +22266,6 @@
 </p:sld>
 </file>
 
-<file path=ppt/slides/slide11.xml><?xml version="1.0" encoding="utf-8"?>
-<p:sld xmlns:a="http://schemas.openxmlformats.org/drawingml/2006/main" xmlns:r="http://schemas.openxmlformats.org/officeDocument/2006/relationships" xmlns:p="http://schemas.openxmlformats.org/presentationml/2006/main">
-  <p:cSld>
-    <p:bg>
-      <p:bgPr>
-        <a:solidFill>
-          <a:schemeClr val="bg1"/>
-        </a:solidFill>
-        <a:effectLst/>
-      </p:bgPr>
-    </p:bg>
-    <p:spTree>
-      <p:nvGrpSpPr>
-        <p:cNvPr id="1" name=""/>
-        <p:cNvGrpSpPr/>
-        <p:nvPr/>
-      </p:nvGrpSpPr>
-      <p:grpSpPr>
-        <a:xfrm>
-          <a:off x="0" y="0"/>
-          <a:ext cx="0" cy="0"/>
-          <a:chOff x="0" y="0"/>
-          <a:chExt cx="0" cy="0"/>
-        </a:xfrm>
-      </p:grpSpPr>
-      <p:sp useBgFill="1">
-        <p:nvSpPr>
-          <p:cNvPr id="9" name="Rectangle 8">
-            <a:extLst>
-              <a:ext uri="{FF2B5EF4-FFF2-40B4-BE49-F238E27FC236}">
-                <a16:creationId xmlns:a16="http://schemas.microsoft.com/office/drawing/2014/main" id="{A566E947-FB18-4E34-92A1-7AE6603498AE}"/>
-              </a:ext>
-              <a:ext uri="{C183D7F6-B498-43B3-948B-1728B52AA6E4}">
-                <adec:decorative xmlns:adec="http://schemas.microsoft.com/office/drawing/2017/decorative" val="1"/>
-              </a:ext>
-            </a:extLst>
-          </p:cNvPr>
-          <p:cNvSpPr>
-            <a:spLocks noGrp="1" noRot="1" noChangeAspect="1" noMove="1" noResize="1" noEditPoints="1" noAdjustHandles="1" noChangeArrowheads="1" noChangeShapeType="1" noTextEdit="1"/>
-          </p:cNvSpPr>
-          <p:nvPr>
-            <p:extLst>
-              <p:ext uri="{386F3935-93C4-4BCD-93E2-E3B085C9AB24}">
-                <p16:designElem xmlns:p16="http://schemas.microsoft.com/office/powerpoint/2015/main" val="1"/>
-              </p:ext>
-            </p:extLst>
-          </p:nvPr>
-        </p:nvSpPr>
-        <p:spPr>
-          <a:xfrm>
-            <a:off x="0" y="0"/>
-            <a:ext cx="12192000" cy="6858000"/>
-          </a:xfrm>
-          <a:prstGeom prst="rect">
-            <a:avLst/>
-          </a:prstGeom>
-          <a:ln>
-            <a:noFill/>
-          </a:ln>
-        </p:spPr>
-        <p:style>
-          <a:lnRef idx="2">
-            <a:schemeClr val="accent1">
-              <a:shade val="50000"/>
-            </a:schemeClr>
-          </a:lnRef>
-          <a:fillRef idx="1">
-            <a:schemeClr val="accent1"/>
-          </a:fillRef>
-          <a:effectRef idx="0">
-            <a:schemeClr val="accent1"/>
-          </a:effectRef>
-          <a:fontRef idx="minor">
-            <a:schemeClr val="lt1"/>
-          </a:fontRef>
-        </p:style>
-        <p:txBody>
-          <a:bodyPr rtlCol="0" anchor="ctr"/>
-          <a:lstStyle/>
-          <a:p>
-            <a:pPr algn="ctr"/>
-            <a:endParaRPr lang="en-US"/>
-          </a:p>
-        </p:txBody>
-      </p:sp>
-      <p:sp>
-        <p:nvSpPr>
-          <p:cNvPr id="11" name="Rectangle 10">
-            <a:extLst>
-              <a:ext uri="{FF2B5EF4-FFF2-40B4-BE49-F238E27FC236}">
-                <a16:creationId xmlns:a16="http://schemas.microsoft.com/office/drawing/2014/main" id="{7E1FB687-F018-4798-90C8-38F1111E1A6B}"/>
-              </a:ext>
-              <a:ext uri="{C183D7F6-B498-43B3-948B-1728B52AA6E4}">
-                <adec:decorative xmlns:adec="http://schemas.microsoft.com/office/drawing/2017/decorative" val="1"/>
-              </a:ext>
-            </a:extLst>
-          </p:cNvPr>
-          <p:cNvSpPr>
-            <a:spLocks noGrp="1" noRot="1" noChangeAspect="1" noMove="1" noResize="1" noEditPoints="1" noAdjustHandles="1" noChangeArrowheads="1" noChangeShapeType="1" noTextEdit="1"/>
-          </p:cNvSpPr>
-          <p:nvPr>
-            <p:extLst>
-              <p:ext uri="{386F3935-93C4-4BCD-93E2-E3B085C9AB24}">
-                <p16:designElem xmlns:p16="http://schemas.microsoft.com/office/powerpoint/2015/main" val="1"/>
-              </p:ext>
-            </p:extLst>
-          </p:nvPr>
-        </p:nvSpPr>
-        <p:spPr>
-          <a:xfrm rot="5400000">
-            <a:off x="5228428" y="272368"/>
-            <a:ext cx="1741251" cy="11430012"/>
-          </a:xfrm>
-          <a:prstGeom prst="rect">
-            <a:avLst/>
-          </a:prstGeom>
-          <a:solidFill>
-            <a:schemeClr val="accent1"/>
-          </a:solidFill>
-          <a:ln>
-            <a:noFill/>
-          </a:ln>
-        </p:spPr>
-        <p:style>
-          <a:lnRef idx="2">
-            <a:schemeClr val="accent1">
-              <a:shade val="50000"/>
-            </a:schemeClr>
-          </a:lnRef>
-          <a:fillRef idx="1">
-            <a:schemeClr val="accent1"/>
-          </a:fillRef>
-          <a:effectRef idx="0">
-            <a:schemeClr val="accent1"/>
-          </a:effectRef>
-          <a:fontRef idx="minor">
-            <a:schemeClr val="lt1"/>
-          </a:fontRef>
-        </p:style>
-      </p:sp>
-      <p:sp>
-        <p:nvSpPr>
-          <p:cNvPr id="2" name="Title 1">
-            <a:extLst>
-              <a:ext uri="{FF2B5EF4-FFF2-40B4-BE49-F238E27FC236}">
-                <a16:creationId xmlns:a16="http://schemas.microsoft.com/office/drawing/2014/main" id="{77452187-6621-9E4F-A6AF-848A6523DCA6}"/>
-              </a:ext>
-            </a:extLst>
-          </p:cNvPr>
-          <p:cNvSpPr>
-            <a:spLocks noGrp="1"/>
-          </p:cNvSpPr>
-          <p:nvPr>
-            <p:ph type="title"/>
-          </p:nvPr>
-        </p:nvSpPr>
-        <p:spPr>
-          <a:xfrm>
-            <a:off x="641667" y="5257630"/>
-            <a:ext cx="10908667" cy="1021405"/>
-          </a:xfrm>
-        </p:spPr>
-        <p:txBody>
-          <a:bodyPr>
-            <a:normAutofit/>
-          </a:bodyPr>
-          <a:lstStyle/>
-          <a:p>
-            <a:pPr algn="ctr"/>
-            <a:r>
-              <a:rPr lang="en-CN" dirty="0"/>
-              <a:t>感悟</a:t>
-            </a:r>
-            <a:endParaRPr lang="en-CN"/>
-          </a:p>
-        </p:txBody>
-      </p:sp>
-      <p:sp>
-        <p:nvSpPr>
-          <p:cNvPr id="13" name="Rectangle 12">
-            <a:extLst>
-              <a:ext uri="{FF2B5EF4-FFF2-40B4-BE49-F238E27FC236}">
-                <a16:creationId xmlns:a16="http://schemas.microsoft.com/office/drawing/2014/main" id="{99BAA161-AE24-467D-9AE2-A99E23CD71CD}"/>
-              </a:ext>
-              <a:ext uri="{C183D7F6-B498-43B3-948B-1728B52AA6E4}">
-                <adec:decorative xmlns:adec="http://schemas.microsoft.com/office/drawing/2017/decorative" val="1"/>
-              </a:ext>
-            </a:extLst>
-          </p:cNvPr>
-          <p:cNvSpPr>
-            <a:spLocks noGrp="1" noRot="1" noChangeAspect="1" noMove="1" noResize="1" noEditPoints="1" noAdjustHandles="1" noChangeArrowheads="1" noChangeShapeType="1" noTextEdit="1"/>
-          </p:cNvSpPr>
-          <p:nvPr>
-            <p:extLst>
-              <p:ext uri="{386F3935-93C4-4BCD-93E2-E3B085C9AB24}">
-                <p16:designElem xmlns:p16="http://schemas.microsoft.com/office/powerpoint/2015/main" val="1"/>
-              </p:ext>
-            </p:extLst>
-          </p:nvPr>
-        </p:nvSpPr>
-        <p:spPr>
-          <a:xfrm rot="5400000">
-            <a:off x="5907030" y="-5522982"/>
-            <a:ext cx="384048" cy="11430012"/>
-          </a:xfrm>
-          <a:prstGeom prst="rect">
-            <a:avLst/>
-          </a:prstGeom>
-          <a:solidFill>
-            <a:srgbClr val="C8C8C8">
-              <a:alpha val="49804"/>
-            </a:srgbClr>
-          </a:solidFill>
-          <a:ln>
-            <a:noFill/>
-          </a:ln>
-        </p:spPr>
-        <p:style>
-          <a:lnRef idx="2">
-            <a:schemeClr val="accent1">
-              <a:shade val="50000"/>
-            </a:schemeClr>
-          </a:lnRef>
-          <a:fillRef idx="1">
-            <a:schemeClr val="accent1"/>
-          </a:fillRef>
-          <a:effectRef idx="0">
-            <a:schemeClr val="accent1"/>
-          </a:effectRef>
-          <a:fontRef idx="minor">
-            <a:schemeClr val="lt1"/>
-          </a:fontRef>
-        </p:style>
-      </p:sp>
-      <p:graphicFrame>
-        <p:nvGraphicFramePr>
-          <p:cNvPr id="5" name="Content Placeholder 2">
-            <a:extLst>
-              <a:ext uri="{FF2B5EF4-FFF2-40B4-BE49-F238E27FC236}">
-                <a16:creationId xmlns:a16="http://schemas.microsoft.com/office/drawing/2014/main" id="{E0858E19-2B73-42AC-8BB4-B2967FD57BDA}"/>
-              </a:ext>
-            </a:extLst>
-          </p:cNvPr>
-          <p:cNvGraphicFramePr>
-            <a:graphicFrameLocks noGrp="1"/>
-          </p:cNvGraphicFramePr>
-          <p:nvPr>
-            <p:ph idx="1"/>
-          </p:nvPr>
-        </p:nvGraphicFramePr>
-        <p:xfrm>
-          <a:off x="702727" y="1029176"/>
-          <a:ext cx="10786546" cy="3444105"/>
-        </p:xfrm>
-        <a:graphic>
-          <a:graphicData uri="http://schemas.openxmlformats.org/drawingml/2006/diagram">
-            <dgm:relIds xmlns:dgm="http://schemas.openxmlformats.org/drawingml/2006/diagram" xmlns:r="http://schemas.openxmlformats.org/officeDocument/2006/relationships" r:dm="rId3" r:lo="rId4" r:qs="rId5" r:cs="rId6"/>
-          </a:graphicData>
-        </a:graphic>
-      </p:graphicFrame>
-    </p:spTree>
-    <p:extLst>
-      <p:ext uri="{BB962C8B-B14F-4D97-AF65-F5344CB8AC3E}">
-        <p14:creationId xmlns:p14="http://schemas.microsoft.com/office/powerpoint/2010/main" val="3124372547"/>
-      </p:ext>
-    </p:extLst>
-  </p:cSld>
-  <p:clrMapOvr>
-    <a:masterClrMapping/>
-  </p:clrMapOvr>
-</p:sld>
-</file>
-
 <file path=ppt/slides/slide2.xml><?xml version="1.0" encoding="utf-8"?>
 <p:sld xmlns:a="http://schemas.openxmlformats.org/drawingml/2006/main" xmlns:r="http://schemas.openxmlformats.org/officeDocument/2006/relationships" xmlns:p="http://schemas.openxmlformats.org/presentationml/2006/main">
   <p:cSld>
@@ -25725,7 +22786,7 @@
             <p:ph idx="1"/>
             <p:extLst>
               <p:ext uri="{D42A27DB-BD31-4B8C-83A1-F6EECF244321}">
-                <p14:modId xmlns:p14="http://schemas.microsoft.com/office/powerpoint/2010/main" val="2319195082"/>
+                <p14:modId xmlns:p14="http://schemas.microsoft.com/office/powerpoint/2010/main" val="1094358654"/>
               </p:ext>
             </p:extLst>
           </p:nvPr>
@@ -25926,7 +22987,11 @@
               <a:rPr lang="en-CN" dirty="0"/>
               <a:t>博士期间</a:t>
             </a:r>
-            <a:endParaRPr lang="en-CN"/>
+            <a:r>
+              <a:rPr lang="zh-CN" altLang="en-US" dirty="0"/>
+              <a:t>：加州大学河滨分校物理系量子计算</a:t>
+            </a:r>
+            <a:endParaRPr lang="en-CN" dirty="0"/>
           </a:p>
         </p:txBody>
       </p:sp>
@@ -26872,6 +23937,11 @@
               <a:rPr lang="en-CN" dirty="0"/>
               <a:t>博士期间</a:t>
             </a:r>
+            <a:r>
+              <a:rPr lang="zh-CN" altLang="en-US" dirty="0"/>
+              <a:t>：加州大学河滨分校物理系量子计算</a:t>
+            </a:r>
+            <a:endParaRPr lang="en-CN" dirty="0"/>
           </a:p>
         </p:txBody>
       </p:sp>
@@ -27264,7 +24334,7 @@
     </p:spTree>
     <p:extLst>
       <p:ext uri="{BB962C8B-B14F-4D97-AF65-F5344CB8AC3E}">
-        <p14:creationId xmlns:p14="http://schemas.microsoft.com/office/powerpoint/2010/main" val="2145407124"/>
+        <p14:creationId xmlns:p14="http://schemas.microsoft.com/office/powerpoint/2010/main" val="1993350594"/>
       </p:ext>
     </p:extLst>
   </p:cSld>
